--- a/Präsentation/KIT-Masterslides-DE-SDQ.pptx
+++ b/Präsentation/KIT-Masterslides-DE-SDQ.pptx
@@ -5,14 +5,16 @@
     <p:sldMasterId id="2147483676" r:id="rId1"/>
   </p:sldMasterIdLst>
   <p:notesMasterIdLst>
-    <p:notesMasterId r:id="rId4"/>
+    <p:notesMasterId r:id="rId6"/>
   </p:notesMasterIdLst>
   <p:handoutMasterIdLst>
-    <p:handoutMasterId r:id="rId5"/>
+    <p:handoutMasterId r:id="rId7"/>
   </p:handoutMasterIdLst>
   <p:sldIdLst>
     <p:sldId id="256" r:id="rId2"/>
     <p:sldId id="264" r:id="rId3"/>
+    <p:sldId id="265" r:id="rId4"/>
+    <p:sldId id="266" r:id="rId5"/>
   </p:sldIdLst>
   <p:sldSz cx="9144000" cy="6858000" type="screen4x3"/>
   <p:notesSz cx="6858000" cy="9144000"/>
@@ -141,6 +143,36 @@
       </a:defRPr>
     </a:lvl9pPr>
   </p:defaultTextStyle>
+  <p:extLst>
+    <p:ext uri="{EFAFB233-063F-42B5-8137-9DF3F51BA10A}">
+      <p15:sldGuideLst xmlns:p15="http://schemas.microsoft.com/office/powerpoint/2012/main">
+        <p15:guide id="1" orient="horz" pos="2160">
+          <p15:clr>
+            <a:srgbClr val="A4A3A4"/>
+          </p15:clr>
+        </p15:guide>
+        <p15:guide id="2" pos="2880">
+          <p15:clr>
+            <a:srgbClr val="A4A3A4"/>
+          </p15:clr>
+        </p15:guide>
+      </p15:sldGuideLst>
+    </p:ext>
+    <p:ext uri="{2D200454-40CA-4A62-9FC3-DE9A4176ACB9}">
+      <p15:notesGuideLst xmlns:p15="http://schemas.microsoft.com/office/powerpoint/2012/main">
+        <p15:guide id="1" orient="horz" pos="2880">
+          <p15:clr>
+            <a:srgbClr val="A4A3A4"/>
+          </p15:clr>
+        </p15:guide>
+        <p15:guide id="2" pos="2160">
+          <p15:clr>
+            <a:srgbClr val="A4A3A4"/>
+          </p15:clr>
+        </p15:guide>
+      </p15:notesGuideLst>
+    </p:ext>
+  </p:extLst>
 </p:presentation>
 </file>
 
@@ -194,14 +226,14 @@
           <a:effectLst/>
           <a:extLst>
             <a:ext uri="{909E8E84-426E-40DD-AFC4-6F175D3DCCD1}">
-              <a14:hiddenFill xmlns:a14="http://schemas.microsoft.com/office/drawing/2010/main" xmlns="">
+              <a14:hiddenFill xmlns:a14="http://schemas.microsoft.com/office/drawing/2010/main">
                 <a:solidFill>
                   <a:schemeClr val="accent1"/>
                 </a:solidFill>
               </a14:hiddenFill>
             </a:ext>
             <a:ext uri="{91240B29-F687-4F45-9708-019B960494DF}">
-              <a14:hiddenLine xmlns:a14="http://schemas.microsoft.com/office/drawing/2010/main" xmlns="" w="9525">
+              <a14:hiddenLine xmlns:a14="http://schemas.microsoft.com/office/drawing/2010/main" w="9525">
                 <a:solidFill>
                   <a:schemeClr val="tx1"/>
                 </a:solidFill>
@@ -211,7 +243,7 @@
               </a14:hiddenLine>
             </a:ext>
             <a:ext uri="{AF507438-7753-43E0-B8FC-AC1667EBCBE1}">
-              <a14:hiddenEffects xmlns:a14="http://schemas.microsoft.com/office/drawing/2010/main" xmlns="">
+              <a14:hiddenEffects xmlns:a14="http://schemas.microsoft.com/office/drawing/2010/main">
                 <a:effectLst>
                   <a:outerShdw dist="35921" dir="2700000" algn="ctr" rotWithShape="0">
                     <a:schemeClr val="bg2"/>
@@ -262,14 +294,14 @@
           <a:effectLst/>
           <a:extLst>
             <a:ext uri="{909E8E84-426E-40DD-AFC4-6F175D3DCCD1}">
-              <a14:hiddenFill xmlns:a14="http://schemas.microsoft.com/office/drawing/2010/main" xmlns="">
+              <a14:hiddenFill xmlns:a14="http://schemas.microsoft.com/office/drawing/2010/main">
                 <a:solidFill>
                   <a:schemeClr val="accent1"/>
                 </a:solidFill>
               </a14:hiddenFill>
             </a:ext>
             <a:ext uri="{91240B29-F687-4F45-9708-019B960494DF}">
-              <a14:hiddenLine xmlns:a14="http://schemas.microsoft.com/office/drawing/2010/main" xmlns="" w="9525">
+              <a14:hiddenLine xmlns:a14="http://schemas.microsoft.com/office/drawing/2010/main" w="9525">
                 <a:solidFill>
                   <a:schemeClr val="tx1"/>
                 </a:solidFill>
@@ -279,7 +311,7 @@
               </a14:hiddenLine>
             </a:ext>
             <a:ext uri="{AF507438-7753-43E0-B8FC-AC1667EBCBE1}">
-              <a14:hiddenEffects xmlns:a14="http://schemas.microsoft.com/office/drawing/2010/main" xmlns="">
+              <a14:hiddenEffects xmlns:a14="http://schemas.microsoft.com/office/drawing/2010/main">
                 <a:effectLst>
                   <a:outerShdw dist="35921" dir="2700000" algn="ctr" rotWithShape="0">
                     <a:schemeClr val="bg2"/>
@@ -330,14 +362,14 @@
           <a:effectLst/>
           <a:extLst>
             <a:ext uri="{909E8E84-426E-40DD-AFC4-6F175D3DCCD1}">
-              <a14:hiddenFill xmlns:a14="http://schemas.microsoft.com/office/drawing/2010/main" xmlns="">
+              <a14:hiddenFill xmlns:a14="http://schemas.microsoft.com/office/drawing/2010/main">
                 <a:solidFill>
                   <a:schemeClr val="accent1"/>
                 </a:solidFill>
               </a14:hiddenFill>
             </a:ext>
             <a:ext uri="{91240B29-F687-4F45-9708-019B960494DF}">
-              <a14:hiddenLine xmlns:a14="http://schemas.microsoft.com/office/drawing/2010/main" xmlns="" w="9525">
+              <a14:hiddenLine xmlns:a14="http://schemas.microsoft.com/office/drawing/2010/main" w="9525">
                 <a:solidFill>
                   <a:schemeClr val="tx1"/>
                 </a:solidFill>
@@ -347,7 +379,7 @@
               </a14:hiddenLine>
             </a:ext>
             <a:ext uri="{AF507438-7753-43E0-B8FC-AC1667EBCBE1}">
-              <a14:hiddenEffects xmlns:a14="http://schemas.microsoft.com/office/drawing/2010/main" xmlns="">
+              <a14:hiddenEffects xmlns:a14="http://schemas.microsoft.com/office/drawing/2010/main">
                 <a:effectLst>
                   <a:outerShdw dist="35921" dir="2700000" algn="ctr" rotWithShape="0">
                     <a:schemeClr val="bg2"/>
@@ -398,14 +430,14 @@
           <a:effectLst/>
           <a:extLst>
             <a:ext uri="{909E8E84-426E-40DD-AFC4-6F175D3DCCD1}">
-              <a14:hiddenFill xmlns:a14="http://schemas.microsoft.com/office/drawing/2010/main" xmlns="">
+              <a14:hiddenFill xmlns:a14="http://schemas.microsoft.com/office/drawing/2010/main">
                 <a:solidFill>
                   <a:schemeClr val="accent1"/>
                 </a:solidFill>
               </a14:hiddenFill>
             </a:ext>
             <a:ext uri="{91240B29-F687-4F45-9708-019B960494DF}">
-              <a14:hiddenLine xmlns:a14="http://schemas.microsoft.com/office/drawing/2010/main" xmlns="" w="9525">
+              <a14:hiddenLine xmlns:a14="http://schemas.microsoft.com/office/drawing/2010/main" w="9525">
                 <a:solidFill>
                   <a:schemeClr val="tx1"/>
                 </a:solidFill>
@@ -415,7 +447,7 @@
               </a14:hiddenLine>
             </a:ext>
             <a:ext uri="{AF507438-7753-43E0-B8FC-AC1667EBCBE1}">
-              <a14:hiddenEffects xmlns:a14="http://schemas.microsoft.com/office/drawing/2010/main" xmlns="">
+              <a14:hiddenEffects xmlns:a14="http://schemas.microsoft.com/office/drawing/2010/main">
                 <a:effectLst>
                   <a:outerShdw dist="35921" dir="2700000" algn="ctr" rotWithShape="0">
                     <a:schemeClr val="bg2"/>
@@ -449,7 +481,7 @@
     </p:spTree>
     <p:extLst>
       <p:ext uri="{BB962C8B-B14F-4D97-AF65-F5344CB8AC3E}">
-        <p14:creationId xmlns:p14="http://schemas.microsoft.com/office/powerpoint/2010/main" xmlns="" val="3370567438"/>
+        <p14:creationId xmlns:p14="http://schemas.microsoft.com/office/powerpoint/2010/main" val="3370567438"/>
       </p:ext>
     </p:extLst>
   </p:cSld>
@@ -507,14 +539,14 @@
           <a:effectLst/>
           <a:extLst>
             <a:ext uri="{909E8E84-426E-40DD-AFC4-6F175D3DCCD1}">
-              <a14:hiddenFill xmlns:a14="http://schemas.microsoft.com/office/drawing/2010/main" xmlns="">
+              <a14:hiddenFill xmlns:a14="http://schemas.microsoft.com/office/drawing/2010/main">
                 <a:solidFill>
                   <a:schemeClr val="accent1"/>
                 </a:solidFill>
               </a14:hiddenFill>
             </a:ext>
             <a:ext uri="{91240B29-F687-4F45-9708-019B960494DF}">
-              <a14:hiddenLine xmlns:a14="http://schemas.microsoft.com/office/drawing/2010/main" xmlns="" w="9525">
+              <a14:hiddenLine xmlns:a14="http://schemas.microsoft.com/office/drawing/2010/main" w="9525">
                 <a:solidFill>
                   <a:schemeClr val="tx1"/>
                 </a:solidFill>
@@ -524,7 +556,7 @@
               </a14:hiddenLine>
             </a:ext>
             <a:ext uri="{AF507438-7753-43E0-B8FC-AC1667EBCBE1}">
-              <a14:hiddenEffects xmlns:a14="http://schemas.microsoft.com/office/drawing/2010/main" xmlns="">
+              <a14:hiddenEffects xmlns:a14="http://schemas.microsoft.com/office/drawing/2010/main">
                 <a:effectLst>
                   <a:outerShdw dist="35921" dir="2700000" algn="ctr" rotWithShape="0">
                     <a:schemeClr val="bg2"/>
@@ -575,14 +607,14 @@
           <a:effectLst/>
           <a:extLst>
             <a:ext uri="{909E8E84-426E-40DD-AFC4-6F175D3DCCD1}">
-              <a14:hiddenFill xmlns:a14="http://schemas.microsoft.com/office/drawing/2010/main" xmlns="">
+              <a14:hiddenFill xmlns:a14="http://schemas.microsoft.com/office/drawing/2010/main">
                 <a:solidFill>
                   <a:schemeClr val="accent1"/>
                 </a:solidFill>
               </a14:hiddenFill>
             </a:ext>
             <a:ext uri="{91240B29-F687-4F45-9708-019B960494DF}">
-              <a14:hiddenLine xmlns:a14="http://schemas.microsoft.com/office/drawing/2010/main" xmlns="" w="9525">
+              <a14:hiddenLine xmlns:a14="http://schemas.microsoft.com/office/drawing/2010/main" w="9525">
                 <a:solidFill>
                   <a:schemeClr val="tx1"/>
                 </a:solidFill>
@@ -592,7 +624,7 @@
               </a14:hiddenLine>
             </a:ext>
             <a:ext uri="{AF507438-7753-43E0-B8FC-AC1667EBCBE1}">
-              <a14:hiddenEffects xmlns:a14="http://schemas.microsoft.com/office/drawing/2010/main" xmlns="">
+              <a14:hiddenEffects xmlns:a14="http://schemas.microsoft.com/office/drawing/2010/main">
                 <a:effectLst>
                   <a:outerShdw dist="35921" dir="2700000" algn="ctr" rotWithShape="0">
                     <a:schemeClr val="bg2"/>
@@ -648,7 +680,7 @@
           <a:effectLst/>
           <a:extLst>
             <a:ext uri="{AF507438-7753-43E0-B8FC-AC1667EBCBE1}">
-              <a14:hiddenEffects xmlns:a14="http://schemas.microsoft.com/office/drawing/2010/main" xmlns="">
+              <a14:hiddenEffects xmlns:a14="http://schemas.microsoft.com/office/drawing/2010/main">
                 <a:effectLst>
                   <a:outerShdw dist="35921" dir="2700000" algn="ctr" rotWithShape="0">
                     <a:srgbClr val="808080"/>
@@ -657,7 +689,7 @@
               </a14:hiddenEffects>
             </a:ext>
             <a:ext uri="{53640926-AAD7-44D8-BBD7-CCE9431645EC}">
-              <a14:shadowObscured xmlns:a14="http://schemas.microsoft.com/office/drawing/2010/main" xmlns="" val="1"/>
+              <a14:shadowObscured xmlns:a14="http://schemas.microsoft.com/office/drawing/2010/main" val="1"/>
             </a:ext>
           </a:extLst>
         </p:spPr>
@@ -687,14 +719,14 @@
           <a:effectLst/>
           <a:extLst>
             <a:ext uri="{909E8E84-426E-40DD-AFC4-6F175D3DCCD1}">
-              <a14:hiddenFill xmlns:a14="http://schemas.microsoft.com/office/drawing/2010/main" xmlns="">
+              <a14:hiddenFill xmlns:a14="http://schemas.microsoft.com/office/drawing/2010/main">
                 <a:solidFill>
                   <a:schemeClr val="accent1"/>
                 </a:solidFill>
               </a14:hiddenFill>
             </a:ext>
             <a:ext uri="{91240B29-F687-4F45-9708-019B960494DF}">
-              <a14:hiddenLine xmlns:a14="http://schemas.microsoft.com/office/drawing/2010/main" xmlns="" w="9525">
+              <a14:hiddenLine xmlns:a14="http://schemas.microsoft.com/office/drawing/2010/main" w="9525">
                 <a:solidFill>
                   <a:schemeClr val="tx1"/>
                 </a:solidFill>
@@ -704,7 +736,7 @@
               </a14:hiddenLine>
             </a:ext>
             <a:ext uri="{AF507438-7753-43E0-B8FC-AC1667EBCBE1}">
-              <a14:hiddenEffects xmlns:a14="http://schemas.microsoft.com/office/drawing/2010/main" xmlns="">
+              <a14:hiddenEffects xmlns:a14="http://schemas.microsoft.com/office/drawing/2010/main">
                 <a:effectLst>
                   <a:outerShdw dist="35921" dir="2700000" algn="ctr" rotWithShape="0">
                     <a:schemeClr val="bg2"/>
@@ -783,14 +815,14 @@
           <a:effectLst/>
           <a:extLst>
             <a:ext uri="{909E8E84-426E-40DD-AFC4-6F175D3DCCD1}">
-              <a14:hiddenFill xmlns:a14="http://schemas.microsoft.com/office/drawing/2010/main" xmlns="">
+              <a14:hiddenFill xmlns:a14="http://schemas.microsoft.com/office/drawing/2010/main">
                 <a:solidFill>
                   <a:schemeClr val="accent1"/>
                 </a:solidFill>
               </a14:hiddenFill>
             </a:ext>
             <a:ext uri="{91240B29-F687-4F45-9708-019B960494DF}">
-              <a14:hiddenLine xmlns:a14="http://schemas.microsoft.com/office/drawing/2010/main" xmlns="" w="9525">
+              <a14:hiddenLine xmlns:a14="http://schemas.microsoft.com/office/drawing/2010/main" w="9525">
                 <a:solidFill>
                   <a:schemeClr val="tx1"/>
                 </a:solidFill>
@@ -800,7 +832,7 @@
               </a14:hiddenLine>
             </a:ext>
             <a:ext uri="{AF507438-7753-43E0-B8FC-AC1667EBCBE1}">
-              <a14:hiddenEffects xmlns:a14="http://schemas.microsoft.com/office/drawing/2010/main" xmlns="">
+              <a14:hiddenEffects xmlns:a14="http://schemas.microsoft.com/office/drawing/2010/main">
                 <a:effectLst>
                   <a:outerShdw dist="35921" dir="2700000" algn="ctr" rotWithShape="0">
                     <a:schemeClr val="bg2"/>
@@ -851,14 +883,14 @@
           <a:effectLst/>
           <a:extLst>
             <a:ext uri="{909E8E84-426E-40DD-AFC4-6F175D3DCCD1}">
-              <a14:hiddenFill xmlns:a14="http://schemas.microsoft.com/office/drawing/2010/main" xmlns="">
+              <a14:hiddenFill xmlns:a14="http://schemas.microsoft.com/office/drawing/2010/main">
                 <a:solidFill>
                   <a:schemeClr val="accent1"/>
                 </a:solidFill>
               </a14:hiddenFill>
             </a:ext>
             <a:ext uri="{91240B29-F687-4F45-9708-019B960494DF}">
-              <a14:hiddenLine xmlns:a14="http://schemas.microsoft.com/office/drawing/2010/main" xmlns="" w="9525">
+              <a14:hiddenLine xmlns:a14="http://schemas.microsoft.com/office/drawing/2010/main" w="9525">
                 <a:solidFill>
                   <a:schemeClr val="tx1"/>
                 </a:solidFill>
@@ -868,7 +900,7 @@
               </a14:hiddenLine>
             </a:ext>
             <a:ext uri="{AF507438-7753-43E0-B8FC-AC1667EBCBE1}">
-              <a14:hiddenEffects xmlns:a14="http://schemas.microsoft.com/office/drawing/2010/main" xmlns="">
+              <a14:hiddenEffects xmlns:a14="http://schemas.microsoft.com/office/drawing/2010/main">
                 <a:effectLst>
                   <a:outerShdw dist="35921" dir="2700000" algn="ctr" rotWithShape="0">
                     <a:schemeClr val="bg2"/>
@@ -902,7 +934,7 @@
     </p:spTree>
     <p:extLst>
       <p:ext uri="{BB962C8B-B14F-4D97-AF65-F5344CB8AC3E}">
-        <p14:creationId xmlns:p14="http://schemas.microsoft.com/office/powerpoint/2010/main" xmlns="" val="2532885161"/>
+        <p14:creationId xmlns:p14="http://schemas.microsoft.com/office/powerpoint/2010/main" val="2532885161"/>
       </p:ext>
     </p:extLst>
   </p:cSld>
@@ -1079,12 +1111,12 @@
           <a:lstStyle/>
           <a:p>
             <a:r>
-              <a:rPr lang="en-GB" dirty="0" smtClean="0"/>
-              <a:t>Die </a:t>
-            </a:r>
-            <a:r>
-              <a:rPr lang="en-GB" dirty="0" err="1" smtClean="0"/>
-              <a:t>angegebene</a:t>
+              <a:rPr lang="en-GB" baseline="0" dirty="0" smtClean="0"/>
+              <a:t>Das </a:t>
+            </a:r>
+            <a:r>
+              <a:rPr lang="en-GB" baseline="0" dirty="0" err="1" smtClean="0"/>
+              <a:t>aktuelle</a:t>
             </a:r>
             <a:r>
               <a:rPr lang="en-GB" baseline="0" dirty="0" smtClean="0"/>
@@ -1092,7 +1124,7 @@
             </a:r>
             <a:r>
               <a:rPr lang="en-GB" baseline="0" dirty="0" err="1" smtClean="0"/>
-              <a:t>Gliederung</a:t>
+              <a:t>Kapitel</a:t>
             </a:r>
             <a:r>
               <a:rPr lang="en-GB" baseline="0" dirty="0" smtClean="0"/>
@@ -1100,7 +1132,7 @@
             </a:r>
             <a:r>
               <a:rPr lang="en-GB" baseline="0" dirty="0" err="1" smtClean="0"/>
-              <a:t>ist</a:t>
+              <a:t>sollte</a:t>
             </a:r>
             <a:r>
               <a:rPr lang="en-GB" baseline="0" dirty="0" smtClean="0"/>
@@ -1108,7 +1140,7 @@
             </a:r>
             <a:r>
               <a:rPr lang="en-GB" baseline="0" dirty="0" err="1" smtClean="0"/>
-              <a:t>nur</a:t>
+              <a:t>fettgedruckt</a:t>
             </a:r>
             <a:r>
               <a:rPr lang="en-GB" baseline="0" dirty="0" smtClean="0"/>
@@ -1116,7 +1148,15 @@
             </a:r>
             <a:r>
               <a:rPr lang="en-GB" baseline="0" dirty="0" err="1" smtClean="0"/>
-              <a:t>ein</a:t>
+              <a:t>werden</a:t>
+            </a:r>
+            <a:r>
+              <a:rPr lang="en-GB" baseline="0" dirty="0" smtClean="0"/>
+              <a:t>. Den </a:t>
+            </a:r>
+            <a:r>
+              <a:rPr lang="en-GB" baseline="0" dirty="0" err="1" smtClean="0"/>
+              <a:t>Abstand</a:t>
             </a:r>
             <a:r>
               <a:rPr lang="en-GB" baseline="0" dirty="0" smtClean="0"/>
@@ -1124,7 +1164,47 @@
             </a:r>
             <a:r>
               <a:rPr lang="en-GB" baseline="0" dirty="0" err="1" smtClean="0"/>
-              <a:t>Beispiel</a:t>
+              <a:t>der</a:t>
+            </a:r>
+            <a:r>
+              <a:rPr lang="en-GB" baseline="0" dirty="0" smtClean="0"/>
+              <a:t> </a:t>
+            </a:r>
+            <a:r>
+              <a:rPr lang="en-GB" baseline="0" dirty="0" err="1" smtClean="0"/>
+              <a:t>Worte</a:t>
+            </a:r>
+            <a:r>
+              <a:rPr lang="en-GB" baseline="0" dirty="0" smtClean="0"/>
+              <a:t> </a:t>
+            </a:r>
+            <a:r>
+              <a:rPr lang="en-GB" baseline="0" dirty="0" err="1" smtClean="0"/>
+              <a:t>kann</a:t>
+            </a:r>
+            <a:r>
+              <a:rPr lang="en-GB" baseline="0" dirty="0" smtClean="0"/>
+              <a:t> man gut in PowerPoint an </a:t>
+            </a:r>
+            <a:r>
+              <a:rPr lang="en-GB" baseline="0" dirty="0" err="1" smtClean="0"/>
+              <a:t>andere</a:t>
+            </a:r>
+            <a:r>
+              <a:rPr lang="en-GB" baseline="0" dirty="0" smtClean="0"/>
+              <a:t> </a:t>
+            </a:r>
+            <a:r>
+              <a:rPr lang="en-GB" baseline="0" dirty="0" err="1" smtClean="0"/>
+              <a:t>Wortlängen</a:t>
+            </a:r>
+            <a:r>
+              <a:rPr lang="en-GB" baseline="0" dirty="0" smtClean="0"/>
+              <a:t> </a:t>
+            </a:r>
+            <a:r>
+              <a:rPr lang="en-GB" baseline="0" dirty="0" err="1" smtClean="0"/>
+              <a:t>anpassen</a:t>
             </a:r>
             <a:r>
               <a:rPr lang="en-GB" baseline="0" dirty="0" smtClean="0"/>
@@ -1132,15 +1212,7 @@
             </a:r>
             <a:r>
               <a:rPr lang="en-GB" baseline="0" dirty="0" err="1" smtClean="0"/>
-              <a:t>sie</a:t>
-            </a:r>
-            <a:r>
-              <a:rPr lang="en-GB" baseline="0" dirty="0" smtClean="0"/>
-              <a:t> muss an die </a:t>
-            </a:r>
-            <a:r>
-              <a:rPr lang="en-GB" baseline="0" dirty="0" err="1" smtClean="0"/>
-              <a:t>Folien</a:t>
+              <a:t>dazu</a:t>
             </a:r>
             <a:r>
               <a:rPr lang="en-GB" baseline="0" dirty="0" smtClean="0"/>
@@ -1148,7 +1220,7 @@
             </a:r>
             <a:r>
               <a:rPr lang="en-GB" baseline="0" dirty="0" err="1" smtClean="0"/>
-              <a:t>angepasst</a:t>
+              <a:t>alle</a:t>
             </a:r>
             <a:r>
               <a:rPr lang="en-GB" baseline="0" dirty="0" smtClean="0"/>
@@ -1156,23 +1228,15 @@
             </a:r>
             <a:r>
               <a:rPr lang="en-GB" baseline="0" dirty="0" err="1" smtClean="0"/>
-              <a:t>werden</a:t>
+              <a:t>Worte</a:t>
             </a:r>
             <a:r>
               <a:rPr lang="en-GB" baseline="0" dirty="0" smtClean="0"/>
-              <a:t> (s. https://sdqweb.ipd.kit.edu/wiki/Vortragshinweise) und </a:t>
+              <a:t> und die </a:t>
             </a:r>
             <a:r>
               <a:rPr lang="en-GB" baseline="0" dirty="0" err="1" smtClean="0"/>
-              <a:t>manuell</a:t>
-            </a:r>
-            <a:r>
-              <a:rPr lang="en-GB" baseline="0" dirty="0" smtClean="0"/>
-              <a:t> auf </a:t>
-            </a:r>
-            <a:r>
-              <a:rPr lang="en-GB" baseline="0" dirty="0" err="1" smtClean="0"/>
-              <a:t>jede</a:t>
+              <a:t>Pfeile</a:t>
             </a:r>
             <a:r>
               <a:rPr lang="en-GB" baseline="0" dirty="0" smtClean="0"/>
@@ -1180,167 +1244,11 @@
             </a:r>
             <a:r>
               <a:rPr lang="en-GB" baseline="0" dirty="0" err="1" smtClean="0"/>
-              <a:t>Folie</a:t>
+              <a:t>markieren</a:t>
             </a:r>
             <a:r>
               <a:rPr lang="en-GB" baseline="0" dirty="0" smtClean="0"/>
-              <a:t> </a:t>
-            </a:r>
-            <a:r>
-              <a:rPr lang="en-GB" baseline="0" dirty="0" err="1" smtClean="0"/>
-              <a:t>kopiert</a:t>
-            </a:r>
-            <a:r>
-              <a:rPr lang="en-GB" baseline="0" dirty="0" smtClean="0"/>
-              <a:t> </a:t>
-            </a:r>
-            <a:r>
-              <a:rPr lang="en-GB" baseline="0" dirty="0" err="1" smtClean="0"/>
-              <a:t>werden</a:t>
-            </a:r>
-            <a:r>
-              <a:rPr lang="en-GB" baseline="0" dirty="0" smtClean="0"/>
-              <a:t>. Das </a:t>
-            </a:r>
-            <a:r>
-              <a:rPr lang="en-GB" baseline="0" dirty="0" err="1" smtClean="0"/>
-              <a:t>aktuelle</a:t>
-            </a:r>
-            <a:r>
-              <a:rPr lang="en-GB" baseline="0" dirty="0" smtClean="0"/>
-              <a:t> </a:t>
-            </a:r>
-            <a:r>
-              <a:rPr lang="en-GB" baseline="0" dirty="0" err="1" smtClean="0"/>
-              <a:t>Kapitel</a:t>
-            </a:r>
-            <a:r>
-              <a:rPr lang="en-GB" baseline="0" dirty="0" smtClean="0"/>
-              <a:t> </a:t>
-            </a:r>
-            <a:r>
-              <a:rPr lang="en-GB" baseline="0" dirty="0" err="1" smtClean="0"/>
-              <a:t>sollte</a:t>
-            </a:r>
-            <a:r>
-              <a:rPr lang="en-GB" baseline="0" dirty="0" smtClean="0"/>
-              <a:t> </a:t>
-            </a:r>
-            <a:r>
-              <a:rPr lang="en-GB" baseline="0" dirty="0" err="1" smtClean="0"/>
-              <a:t>fettgedruckt</a:t>
-            </a:r>
-            <a:r>
-              <a:rPr lang="en-GB" baseline="0" dirty="0" smtClean="0"/>
-              <a:t> </a:t>
-            </a:r>
-            <a:r>
-              <a:rPr lang="en-GB" baseline="0" dirty="0" err="1" smtClean="0"/>
-              <a:t>werden</a:t>
-            </a:r>
-            <a:r>
-              <a:rPr lang="en-GB" baseline="0" dirty="0" smtClean="0"/>
-              <a:t>. Den </a:t>
-            </a:r>
-            <a:r>
-              <a:rPr lang="en-GB" baseline="0" dirty="0" err="1" smtClean="0"/>
-              <a:t>Abstand</a:t>
-            </a:r>
-            <a:r>
-              <a:rPr lang="en-GB" baseline="0" dirty="0" smtClean="0"/>
-              <a:t> </a:t>
-            </a:r>
-            <a:r>
-              <a:rPr lang="en-GB" baseline="0" dirty="0" err="1" smtClean="0"/>
-              <a:t>der</a:t>
-            </a:r>
-            <a:r>
-              <a:rPr lang="en-GB" baseline="0" dirty="0" smtClean="0"/>
-              <a:t> </a:t>
-            </a:r>
-            <a:r>
-              <a:rPr lang="en-GB" baseline="0" dirty="0" err="1" smtClean="0"/>
-              <a:t>Worte</a:t>
-            </a:r>
-            <a:r>
-              <a:rPr lang="en-GB" baseline="0" dirty="0" smtClean="0"/>
-              <a:t> </a:t>
-            </a:r>
-            <a:r>
-              <a:rPr lang="en-GB" baseline="0" dirty="0" err="1" smtClean="0"/>
-              <a:t>kann</a:t>
-            </a:r>
-            <a:r>
-              <a:rPr lang="en-GB" baseline="0" dirty="0" smtClean="0"/>
-              <a:t> man gut in PowerPoint an </a:t>
-            </a:r>
-            <a:r>
-              <a:rPr lang="en-GB" baseline="0" dirty="0" err="1" smtClean="0"/>
-              <a:t>andere</a:t>
-            </a:r>
-            <a:r>
-              <a:rPr lang="en-GB" baseline="0" dirty="0" smtClean="0"/>
-              <a:t> </a:t>
-            </a:r>
-            <a:r>
-              <a:rPr lang="en-GB" baseline="0" dirty="0" err="1" smtClean="0"/>
-              <a:t>Wortlängen</a:t>
-            </a:r>
-            <a:r>
-              <a:rPr lang="en-GB" baseline="0" dirty="0" smtClean="0"/>
-              <a:t> </a:t>
-            </a:r>
-            <a:r>
-              <a:rPr lang="en-GB" baseline="0" dirty="0" err="1" smtClean="0"/>
-              <a:t>anpassen</a:t>
-            </a:r>
-            <a:r>
-              <a:rPr lang="en-GB" baseline="0" dirty="0" smtClean="0"/>
-              <a:t>, </a:t>
-            </a:r>
-            <a:r>
-              <a:rPr lang="en-GB" baseline="0" dirty="0" err="1" smtClean="0"/>
-              <a:t>dazu</a:t>
-            </a:r>
-            <a:r>
-              <a:rPr lang="en-GB" baseline="0" dirty="0" smtClean="0"/>
-              <a:t> </a:t>
-            </a:r>
-            <a:r>
-              <a:rPr lang="en-GB" baseline="0" dirty="0" err="1" smtClean="0"/>
-              <a:t>alle</a:t>
-            </a:r>
-            <a:r>
-              <a:rPr lang="en-GB" baseline="0" dirty="0" smtClean="0"/>
-              <a:t> </a:t>
-            </a:r>
-            <a:r>
-              <a:rPr lang="en-GB" baseline="0" dirty="0" err="1" smtClean="0"/>
-              <a:t>Worte</a:t>
-            </a:r>
-            <a:r>
-              <a:rPr lang="en-GB" baseline="0" dirty="0" smtClean="0"/>
-              <a:t> und die </a:t>
-            </a:r>
-            <a:r>
-              <a:rPr lang="en-GB" baseline="0" dirty="0" err="1" smtClean="0"/>
-              <a:t>Pfeile</a:t>
-            </a:r>
-            <a:r>
-              <a:rPr lang="en-GB" baseline="0" dirty="0" smtClean="0"/>
-              <a:t> </a:t>
-            </a:r>
-            <a:r>
-              <a:rPr lang="en-GB" baseline="0" dirty="0" err="1" smtClean="0"/>
-              <a:t>markieren</a:t>
-            </a:r>
-            <a:r>
-              <a:rPr lang="en-GB" baseline="0" dirty="0" smtClean="0"/>
-              <a:t> und </a:t>
-            </a:r>
-            <a:r>
-              <a:rPr lang="en-GB" baseline="0" dirty="0" smtClean="0"/>
-              <a:t>“</a:t>
+              <a:t> und “</a:t>
             </a:r>
             <a:r>
               <a:rPr lang="en-GB" baseline="0" dirty="0" err="1" smtClean="0"/>
@@ -1372,11 +1280,7 @@
             </a:r>
             <a:r>
               <a:rPr lang="en-GB" baseline="0" dirty="0" smtClean="0"/>
-              <a:t> (PowerPoint2007)</a:t>
-            </a:r>
-            <a:r>
-              <a:rPr lang="en-GB" baseline="0" dirty="0" smtClean="0"/>
-              <a:t>. </a:t>
+              <a:t> (PowerPoint2007). </a:t>
             </a:r>
             <a:endParaRPr lang="en-GB" dirty="0"/>
           </a:p>
@@ -1407,6 +1311,529 @@
         </p:txBody>
       </p:sp>
     </p:spTree>
+    <p:extLst>
+      <p:ext uri="{BB962C8B-B14F-4D97-AF65-F5344CB8AC3E}">
+        <p14:creationId xmlns:p14="http://schemas.microsoft.com/office/powerpoint/2010/main" val="1026569350"/>
+      </p:ext>
+    </p:extLst>
+  </p:cSld>
+  <p:clrMapOvr>
+    <a:masterClrMapping/>
+  </p:clrMapOvr>
+</p:notes>
+</file>
+
+<file path=ppt/notesSlides/notesSlide2.xml><?xml version="1.0" encoding="utf-8"?>
+<p:notes xmlns:a="http://schemas.openxmlformats.org/drawingml/2006/main" xmlns:r="http://schemas.openxmlformats.org/officeDocument/2006/relationships" xmlns:p="http://schemas.openxmlformats.org/presentationml/2006/main">
+  <p:cSld>
+    <p:spTree>
+      <p:nvGrpSpPr>
+        <p:cNvPr id="1" name=""/>
+        <p:cNvGrpSpPr/>
+        <p:nvPr/>
+      </p:nvGrpSpPr>
+      <p:grpSpPr>
+        <a:xfrm>
+          <a:off x="0" y="0"/>
+          <a:ext cx="0" cy="0"/>
+          <a:chOff x="0" y="0"/>
+          <a:chExt cx="0" cy="0"/>
+        </a:xfrm>
+      </p:grpSpPr>
+      <p:sp>
+        <p:nvSpPr>
+          <p:cNvPr id="2" name="Folienbildplatzhalter 1"/>
+          <p:cNvSpPr>
+            <a:spLocks noGrp="1" noRot="1" noChangeAspect="1"/>
+          </p:cNvSpPr>
+          <p:nvPr>
+            <p:ph type="sldImg"/>
+          </p:nvPr>
+        </p:nvSpPr>
+        <p:spPr/>
+      </p:sp>
+      <p:sp>
+        <p:nvSpPr>
+          <p:cNvPr id="3" name="Notizenplatzhalter 2"/>
+          <p:cNvSpPr>
+            <a:spLocks noGrp="1"/>
+          </p:cNvSpPr>
+          <p:nvPr>
+            <p:ph type="body" idx="1"/>
+          </p:nvPr>
+        </p:nvSpPr>
+        <p:spPr/>
+        <p:txBody>
+          <a:bodyPr>
+            <a:normAutofit/>
+          </a:bodyPr>
+          <a:lstStyle/>
+          <a:p>
+            <a:r>
+              <a:rPr lang="en-GB" baseline="0" dirty="0" smtClean="0"/>
+              <a:t>Das </a:t>
+            </a:r>
+            <a:r>
+              <a:rPr lang="en-GB" baseline="0" dirty="0" err="1" smtClean="0"/>
+              <a:t>aktuelle</a:t>
+            </a:r>
+            <a:r>
+              <a:rPr lang="en-GB" baseline="0" dirty="0" smtClean="0"/>
+              <a:t> </a:t>
+            </a:r>
+            <a:r>
+              <a:rPr lang="en-GB" baseline="0" dirty="0" err="1" smtClean="0"/>
+              <a:t>Kapitel</a:t>
+            </a:r>
+            <a:r>
+              <a:rPr lang="en-GB" baseline="0" dirty="0" smtClean="0"/>
+              <a:t> </a:t>
+            </a:r>
+            <a:r>
+              <a:rPr lang="en-GB" baseline="0" dirty="0" err="1" smtClean="0"/>
+              <a:t>sollte</a:t>
+            </a:r>
+            <a:r>
+              <a:rPr lang="en-GB" baseline="0" dirty="0" smtClean="0"/>
+              <a:t> </a:t>
+            </a:r>
+            <a:r>
+              <a:rPr lang="en-GB" baseline="0" dirty="0" err="1" smtClean="0"/>
+              <a:t>fettgedruckt</a:t>
+            </a:r>
+            <a:r>
+              <a:rPr lang="en-GB" baseline="0" dirty="0" smtClean="0"/>
+              <a:t> </a:t>
+            </a:r>
+            <a:r>
+              <a:rPr lang="en-GB" baseline="0" dirty="0" err="1" smtClean="0"/>
+              <a:t>werden</a:t>
+            </a:r>
+            <a:r>
+              <a:rPr lang="en-GB" baseline="0" dirty="0" smtClean="0"/>
+              <a:t>. Den </a:t>
+            </a:r>
+            <a:r>
+              <a:rPr lang="en-GB" baseline="0" dirty="0" err="1" smtClean="0"/>
+              <a:t>Abstand</a:t>
+            </a:r>
+            <a:r>
+              <a:rPr lang="en-GB" baseline="0" dirty="0" smtClean="0"/>
+              <a:t> </a:t>
+            </a:r>
+            <a:r>
+              <a:rPr lang="en-GB" baseline="0" dirty="0" err="1" smtClean="0"/>
+              <a:t>der</a:t>
+            </a:r>
+            <a:r>
+              <a:rPr lang="en-GB" baseline="0" dirty="0" smtClean="0"/>
+              <a:t> </a:t>
+            </a:r>
+            <a:r>
+              <a:rPr lang="en-GB" baseline="0" dirty="0" err="1" smtClean="0"/>
+              <a:t>Worte</a:t>
+            </a:r>
+            <a:r>
+              <a:rPr lang="en-GB" baseline="0" dirty="0" smtClean="0"/>
+              <a:t> </a:t>
+            </a:r>
+            <a:r>
+              <a:rPr lang="en-GB" baseline="0" dirty="0" err="1" smtClean="0"/>
+              <a:t>kann</a:t>
+            </a:r>
+            <a:r>
+              <a:rPr lang="en-GB" baseline="0" dirty="0" smtClean="0"/>
+              <a:t> man gut in PowerPoint an </a:t>
+            </a:r>
+            <a:r>
+              <a:rPr lang="en-GB" baseline="0" dirty="0" err="1" smtClean="0"/>
+              <a:t>andere</a:t>
+            </a:r>
+            <a:r>
+              <a:rPr lang="en-GB" baseline="0" dirty="0" smtClean="0"/>
+              <a:t> </a:t>
+            </a:r>
+            <a:r>
+              <a:rPr lang="en-GB" baseline="0" dirty="0" err="1" smtClean="0"/>
+              <a:t>Wortlängen</a:t>
+            </a:r>
+            <a:r>
+              <a:rPr lang="en-GB" baseline="0" dirty="0" smtClean="0"/>
+              <a:t> </a:t>
+            </a:r>
+            <a:r>
+              <a:rPr lang="en-GB" baseline="0" dirty="0" err="1" smtClean="0"/>
+              <a:t>anpassen</a:t>
+            </a:r>
+            <a:r>
+              <a:rPr lang="en-GB" baseline="0" dirty="0" smtClean="0"/>
+              <a:t>, </a:t>
+            </a:r>
+            <a:r>
+              <a:rPr lang="en-GB" baseline="0" dirty="0" err="1" smtClean="0"/>
+              <a:t>dazu</a:t>
+            </a:r>
+            <a:r>
+              <a:rPr lang="en-GB" baseline="0" dirty="0" smtClean="0"/>
+              <a:t> </a:t>
+            </a:r>
+            <a:r>
+              <a:rPr lang="en-GB" baseline="0" dirty="0" err="1" smtClean="0"/>
+              <a:t>alle</a:t>
+            </a:r>
+            <a:r>
+              <a:rPr lang="en-GB" baseline="0" dirty="0" smtClean="0"/>
+              <a:t> </a:t>
+            </a:r>
+            <a:r>
+              <a:rPr lang="en-GB" baseline="0" dirty="0" err="1" smtClean="0"/>
+              <a:t>Worte</a:t>
+            </a:r>
+            <a:r>
+              <a:rPr lang="en-GB" baseline="0" dirty="0" smtClean="0"/>
+              <a:t> und die </a:t>
+            </a:r>
+            <a:r>
+              <a:rPr lang="en-GB" baseline="0" dirty="0" err="1" smtClean="0"/>
+              <a:t>Pfeile</a:t>
+            </a:r>
+            <a:r>
+              <a:rPr lang="en-GB" baseline="0" dirty="0" smtClean="0"/>
+              <a:t> </a:t>
+            </a:r>
+            <a:r>
+              <a:rPr lang="en-GB" baseline="0" dirty="0" err="1" smtClean="0"/>
+              <a:t>markieren</a:t>
+            </a:r>
+            <a:r>
+              <a:rPr lang="en-GB" baseline="0" dirty="0" smtClean="0"/>
+              <a:t> und “</a:t>
+            </a:r>
+            <a:r>
+              <a:rPr lang="en-GB" baseline="0" dirty="0" err="1" smtClean="0"/>
+              <a:t>Anordnen</a:t>
+            </a:r>
+            <a:r>
+              <a:rPr lang="en-GB" baseline="0" dirty="0" smtClean="0"/>
+              <a:t> -&gt; </a:t>
+            </a:r>
+            <a:r>
+              <a:rPr lang="en-GB" baseline="0" dirty="0" err="1" smtClean="0"/>
+              <a:t>Ausrichten</a:t>
+            </a:r>
+            <a:r>
+              <a:rPr lang="en-GB" baseline="0" dirty="0" smtClean="0"/>
+              <a:t> -&gt; Horizontal </a:t>
+            </a:r>
+            <a:r>
+              <a:rPr lang="en-GB" baseline="0" dirty="0" err="1" smtClean="0"/>
+              <a:t>verteilen</a:t>
+            </a:r>
+            <a:r>
+              <a:rPr lang="en-GB" baseline="0" dirty="0" smtClean="0"/>
+              <a:t>”  </a:t>
+            </a:r>
+            <a:r>
+              <a:rPr lang="en-GB" baseline="0" dirty="0" err="1" smtClean="0"/>
+              <a:t>auswählen</a:t>
+            </a:r>
+            <a:r>
+              <a:rPr lang="en-GB" baseline="0" dirty="0" smtClean="0"/>
+              <a:t> (PowerPoint2007). </a:t>
+            </a:r>
+            <a:endParaRPr lang="en-GB" dirty="0"/>
+          </a:p>
+        </p:txBody>
+      </p:sp>
+      <p:sp>
+        <p:nvSpPr>
+          <p:cNvPr id="4" name="Foliennummernplatzhalter 3"/>
+          <p:cNvSpPr>
+            <a:spLocks noGrp="1"/>
+          </p:cNvSpPr>
+          <p:nvPr>
+            <p:ph type="sldNum" sz="quarter" idx="10"/>
+          </p:nvPr>
+        </p:nvSpPr>
+        <p:spPr/>
+        <p:txBody>
+          <a:bodyPr/>
+          <a:lstStyle/>
+          <a:p>
+            <a:fld id="{74ACB795-123D-4B41-ABB8-5412373C4490}" type="slidenum">
+              <a:rPr lang="en-GB" smtClean="0"/>
+              <a:pPr/>
+              <a:t>3</a:t>
+            </a:fld>
+            <a:endParaRPr lang="en-GB"/>
+          </a:p>
+        </p:txBody>
+      </p:sp>
+    </p:spTree>
+    <p:extLst>
+      <p:ext uri="{BB962C8B-B14F-4D97-AF65-F5344CB8AC3E}">
+        <p14:creationId xmlns:p14="http://schemas.microsoft.com/office/powerpoint/2010/main" val="1782623641"/>
+      </p:ext>
+    </p:extLst>
+  </p:cSld>
+  <p:clrMapOvr>
+    <a:masterClrMapping/>
+  </p:clrMapOvr>
+</p:notes>
+</file>
+
+<file path=ppt/notesSlides/notesSlide3.xml><?xml version="1.0" encoding="utf-8"?>
+<p:notes xmlns:a="http://schemas.openxmlformats.org/drawingml/2006/main" xmlns:r="http://schemas.openxmlformats.org/officeDocument/2006/relationships" xmlns:p="http://schemas.openxmlformats.org/presentationml/2006/main">
+  <p:cSld>
+    <p:spTree>
+      <p:nvGrpSpPr>
+        <p:cNvPr id="1" name=""/>
+        <p:cNvGrpSpPr/>
+        <p:nvPr/>
+      </p:nvGrpSpPr>
+      <p:grpSpPr>
+        <a:xfrm>
+          <a:off x="0" y="0"/>
+          <a:ext cx="0" cy="0"/>
+          <a:chOff x="0" y="0"/>
+          <a:chExt cx="0" cy="0"/>
+        </a:xfrm>
+      </p:grpSpPr>
+      <p:sp>
+        <p:nvSpPr>
+          <p:cNvPr id="2" name="Folienbildplatzhalter 1"/>
+          <p:cNvSpPr>
+            <a:spLocks noGrp="1" noRot="1" noChangeAspect="1"/>
+          </p:cNvSpPr>
+          <p:nvPr>
+            <p:ph type="sldImg"/>
+          </p:nvPr>
+        </p:nvSpPr>
+        <p:spPr/>
+      </p:sp>
+      <p:sp>
+        <p:nvSpPr>
+          <p:cNvPr id="3" name="Notizenplatzhalter 2"/>
+          <p:cNvSpPr>
+            <a:spLocks noGrp="1"/>
+          </p:cNvSpPr>
+          <p:nvPr>
+            <p:ph type="body" idx="1"/>
+          </p:nvPr>
+        </p:nvSpPr>
+        <p:spPr/>
+        <p:txBody>
+          <a:bodyPr>
+            <a:normAutofit/>
+          </a:bodyPr>
+          <a:lstStyle/>
+          <a:p>
+            <a:r>
+              <a:rPr lang="en-GB" baseline="0" dirty="0" smtClean="0"/>
+              <a:t>Das </a:t>
+            </a:r>
+            <a:r>
+              <a:rPr lang="en-GB" baseline="0" dirty="0" err="1" smtClean="0"/>
+              <a:t>aktuelle</a:t>
+            </a:r>
+            <a:r>
+              <a:rPr lang="en-GB" baseline="0" dirty="0" smtClean="0"/>
+              <a:t> </a:t>
+            </a:r>
+            <a:r>
+              <a:rPr lang="en-GB" baseline="0" dirty="0" err="1" smtClean="0"/>
+              <a:t>Kapitel</a:t>
+            </a:r>
+            <a:r>
+              <a:rPr lang="en-GB" baseline="0" dirty="0" smtClean="0"/>
+              <a:t> </a:t>
+            </a:r>
+            <a:r>
+              <a:rPr lang="en-GB" baseline="0" dirty="0" err="1" smtClean="0"/>
+              <a:t>sollte</a:t>
+            </a:r>
+            <a:r>
+              <a:rPr lang="en-GB" baseline="0" dirty="0" smtClean="0"/>
+              <a:t> </a:t>
+            </a:r>
+            <a:r>
+              <a:rPr lang="en-GB" baseline="0" dirty="0" err="1" smtClean="0"/>
+              <a:t>fettgedruckt</a:t>
+            </a:r>
+            <a:r>
+              <a:rPr lang="en-GB" baseline="0" dirty="0" smtClean="0"/>
+              <a:t> </a:t>
+            </a:r>
+            <a:r>
+              <a:rPr lang="en-GB" baseline="0" dirty="0" err="1" smtClean="0"/>
+              <a:t>werden</a:t>
+            </a:r>
+            <a:r>
+              <a:rPr lang="en-GB" baseline="0" dirty="0" smtClean="0"/>
+              <a:t>. Den </a:t>
+            </a:r>
+            <a:r>
+              <a:rPr lang="en-GB" baseline="0" dirty="0" err="1" smtClean="0"/>
+              <a:t>Abstand</a:t>
+            </a:r>
+            <a:r>
+              <a:rPr lang="en-GB" baseline="0" dirty="0" smtClean="0"/>
+              <a:t> </a:t>
+            </a:r>
+            <a:r>
+              <a:rPr lang="en-GB" baseline="0" dirty="0" err="1" smtClean="0"/>
+              <a:t>der</a:t>
+            </a:r>
+            <a:r>
+              <a:rPr lang="en-GB" baseline="0" dirty="0" smtClean="0"/>
+              <a:t> </a:t>
+            </a:r>
+            <a:r>
+              <a:rPr lang="en-GB" baseline="0" dirty="0" err="1" smtClean="0"/>
+              <a:t>Worte</a:t>
+            </a:r>
+            <a:r>
+              <a:rPr lang="en-GB" baseline="0" dirty="0" smtClean="0"/>
+              <a:t> </a:t>
+            </a:r>
+            <a:r>
+              <a:rPr lang="en-GB" baseline="0" dirty="0" err="1" smtClean="0"/>
+              <a:t>kann</a:t>
+            </a:r>
+            <a:r>
+              <a:rPr lang="en-GB" baseline="0" dirty="0" smtClean="0"/>
+              <a:t> man gut in PowerPoint an </a:t>
+            </a:r>
+            <a:r>
+              <a:rPr lang="en-GB" baseline="0" dirty="0" err="1" smtClean="0"/>
+              <a:t>andere</a:t>
+            </a:r>
+            <a:r>
+              <a:rPr lang="en-GB" baseline="0" dirty="0" smtClean="0"/>
+              <a:t> </a:t>
+            </a:r>
+            <a:r>
+              <a:rPr lang="en-GB" baseline="0" dirty="0" err="1" smtClean="0"/>
+              <a:t>Wortlängen</a:t>
+            </a:r>
+            <a:r>
+              <a:rPr lang="en-GB" baseline="0" dirty="0" smtClean="0"/>
+              <a:t> </a:t>
+            </a:r>
+            <a:r>
+              <a:rPr lang="en-GB" baseline="0" dirty="0" err="1" smtClean="0"/>
+              <a:t>anpassen</a:t>
+            </a:r>
+            <a:r>
+              <a:rPr lang="en-GB" baseline="0" dirty="0" smtClean="0"/>
+              <a:t>, </a:t>
+            </a:r>
+            <a:r>
+              <a:rPr lang="en-GB" baseline="0" dirty="0" err="1" smtClean="0"/>
+              <a:t>dazu</a:t>
+            </a:r>
+            <a:r>
+              <a:rPr lang="en-GB" baseline="0" dirty="0" smtClean="0"/>
+              <a:t> </a:t>
+            </a:r>
+            <a:r>
+              <a:rPr lang="en-GB" baseline="0" dirty="0" err="1" smtClean="0"/>
+              <a:t>alle</a:t>
+            </a:r>
+            <a:r>
+              <a:rPr lang="en-GB" baseline="0" dirty="0" smtClean="0"/>
+              <a:t> </a:t>
+            </a:r>
+            <a:r>
+              <a:rPr lang="en-GB" baseline="0" dirty="0" err="1" smtClean="0"/>
+              <a:t>Worte</a:t>
+            </a:r>
+            <a:r>
+              <a:rPr lang="en-GB" baseline="0" dirty="0" smtClean="0"/>
+              <a:t> und die </a:t>
+            </a:r>
+            <a:r>
+              <a:rPr lang="en-GB" baseline="0" dirty="0" err="1" smtClean="0"/>
+              <a:t>Pfeile</a:t>
+            </a:r>
+            <a:r>
+              <a:rPr lang="en-GB" baseline="0" dirty="0" smtClean="0"/>
+              <a:t> </a:t>
+            </a:r>
+            <a:r>
+              <a:rPr lang="en-GB" baseline="0" dirty="0" err="1" smtClean="0"/>
+              <a:t>markieren</a:t>
+            </a:r>
+            <a:r>
+              <a:rPr lang="en-GB" baseline="0" dirty="0" smtClean="0"/>
+              <a:t> und “</a:t>
+            </a:r>
+            <a:r>
+              <a:rPr lang="en-GB" baseline="0" dirty="0" err="1" smtClean="0"/>
+              <a:t>Anordnen</a:t>
+            </a:r>
+            <a:r>
+              <a:rPr lang="en-GB" baseline="0" dirty="0" smtClean="0"/>
+              <a:t> -&gt; </a:t>
+            </a:r>
+            <a:r>
+              <a:rPr lang="en-GB" baseline="0" dirty="0" err="1" smtClean="0"/>
+              <a:t>Ausrichten</a:t>
+            </a:r>
+            <a:r>
+              <a:rPr lang="en-GB" baseline="0" dirty="0" smtClean="0"/>
+              <a:t> -&gt; Horizontal </a:t>
+            </a:r>
+            <a:r>
+              <a:rPr lang="en-GB" baseline="0" dirty="0" err="1" smtClean="0"/>
+              <a:t>verteilen</a:t>
+            </a:r>
+            <a:r>
+              <a:rPr lang="en-GB" baseline="0" dirty="0" smtClean="0"/>
+              <a:t>”  </a:t>
+            </a:r>
+            <a:r>
+              <a:rPr lang="en-GB" baseline="0" dirty="0" err="1" smtClean="0"/>
+              <a:t>auswählen</a:t>
+            </a:r>
+            <a:r>
+              <a:rPr lang="en-GB" baseline="0" dirty="0" smtClean="0"/>
+              <a:t> (PowerPoint2007). </a:t>
+            </a:r>
+            <a:endParaRPr lang="en-GB" dirty="0"/>
+          </a:p>
+        </p:txBody>
+      </p:sp>
+      <p:sp>
+        <p:nvSpPr>
+          <p:cNvPr id="4" name="Foliennummernplatzhalter 3"/>
+          <p:cNvSpPr>
+            <a:spLocks noGrp="1"/>
+          </p:cNvSpPr>
+          <p:nvPr>
+            <p:ph type="sldNum" sz="quarter" idx="10"/>
+          </p:nvPr>
+        </p:nvSpPr>
+        <p:spPr/>
+        <p:txBody>
+          <a:bodyPr/>
+          <a:lstStyle/>
+          <a:p>
+            <a:fld id="{74ACB795-123D-4B41-ABB8-5412373C4490}" type="slidenum">
+              <a:rPr lang="en-GB" smtClean="0"/>
+              <a:pPr/>
+              <a:t>4</a:t>
+            </a:fld>
+            <a:endParaRPr lang="en-GB"/>
+          </a:p>
+        </p:txBody>
+      </p:sp>
+    </p:spTree>
+    <p:extLst>
+      <p:ext uri="{BB962C8B-B14F-4D97-AF65-F5344CB8AC3E}">
+        <p14:creationId xmlns:p14="http://schemas.microsoft.com/office/powerpoint/2010/main" val="2181954243"/>
+      </p:ext>
+    </p:extLst>
   </p:cSld>
   <p:clrMapOvr>
     <a:masterClrMapping/>
@@ -1440,19 +1867,21 @@
           <p:nvPr/>
         </p:nvPicPr>
         <p:blipFill>
-          <a:blip r:embed="rId2" cstate="print">
-            <a:lum bright="14000" contrast="-4000"/>
-            <a:grayscl/>
+          <a:blip r:embed="rId2">
+            <a:extLst>
+              <a:ext uri="{28A0092B-C50C-407E-A947-70E740481C1C}">
+                <a14:useLocalDpi xmlns:a14="http://schemas.microsoft.com/office/drawing/2010/main" val="0"/>
+              </a:ext>
+            </a:extLst>
           </a:blip>
-          <a:srcRect t="20958" b="21313"/>
           <a:stretch>
             <a:fillRect/>
           </a:stretch>
         </p:blipFill>
         <p:spPr bwMode="auto">
           <a:xfrm>
-            <a:off x="87313" y="3479800"/>
-            <a:ext cx="9056687" cy="2924175"/>
+            <a:off x="87313" y="3505554"/>
+            <a:ext cx="9056687" cy="2872667"/>
           </a:xfrm>
           <a:prstGeom prst="rect">
             <a:avLst/>
@@ -1483,7 +1912,7 @@
         </p:blipFill>
         <p:spPr bwMode="auto">
           <a:xfrm>
-            <a:off x="0" y="-3175"/>
+            <a:off x="0" y="0"/>
             <a:ext cx="9144000" cy="6870700"/>
           </a:xfrm>
           <a:prstGeom prst="rect">
@@ -1602,7 +2031,7 @@
                 </a:solidFill>
                 <a:latin typeface="Arial" pitchFamily="34" charset="0"/>
               </a:rPr>
-              <a:t>SOFTWARE-ENTWURF</a:t>
+              <a:t>Praxis der</a:t>
             </a:r>
             <a:r>
               <a:rPr lang="de-DE" sz="1000" baseline="0" dirty="0" smtClean="0">
@@ -1611,7 +2040,7 @@
                 </a:solidFill>
                 <a:latin typeface="Arial" pitchFamily="34" charset="0"/>
               </a:rPr>
-              <a:t> UND -QUALITÄT</a:t>
+              <a:t> Softwareentwicklung SS 2014</a:t>
             </a:r>
             <a:r>
               <a:rPr lang="de-DE" sz="1000" dirty="0">
@@ -1631,31 +2060,40 @@
               </a:rPr>
             </a:br>
             <a:r>
+              <a:rPr lang="de-DE" sz="1000" dirty="0" err="1" smtClean="0">
+                <a:solidFill>
+                  <a:schemeClr val="bg1"/>
+                </a:solidFill>
+                <a:latin typeface="Arial" pitchFamily="34" charset="0"/>
+              </a:rPr>
+              <a:t>Advanced</a:t>
+            </a:r>
+            <a:r>
               <a:rPr lang="de-DE" sz="1000" dirty="0" smtClean="0">
                 <a:solidFill>
                   <a:schemeClr val="bg1"/>
                 </a:solidFill>
                 <a:latin typeface="Arial" pitchFamily="34" charset="0"/>
               </a:rPr>
-              <a:t>INSTITUT FÜR PROGRAMMSTRUKTUREN UND DATENORGANISATION</a:t>
-            </a:r>
-            <a:r>
-              <a:rPr lang="de-DE" sz="1000" dirty="0">
+              <a:t> ROS</a:t>
+            </a:r>
+            <a:r>
+              <a:rPr lang="de-DE" sz="1000" baseline="0" dirty="0" smtClean="0">
                 <a:solidFill>
                   <a:schemeClr val="bg1"/>
                 </a:solidFill>
                 <a:latin typeface="Arial" pitchFamily="34" charset="0"/>
               </a:rPr>
-              <a:t>, </a:t>
-            </a:r>
-            <a:r>
-              <a:rPr lang="de-DE" sz="1000" dirty="0" smtClean="0">
+              <a:t> Network </a:t>
+            </a:r>
+            <a:r>
+              <a:rPr lang="de-DE" sz="1000" baseline="0" dirty="0" err="1" smtClean="0">
                 <a:solidFill>
                   <a:schemeClr val="bg1"/>
                 </a:solidFill>
                 <a:latin typeface="Arial" pitchFamily="34" charset="0"/>
               </a:rPr>
-              <a:t>FAKULTÄT FÜR INFORMATIK</a:t>
+              <a:t>Introspection</a:t>
             </a:r>
             <a:endParaRPr lang="de-DE" sz="1000" dirty="0">
               <a:solidFill>
@@ -1723,7 +2161,7 @@
           <a:blip r:embed="rId4" cstate="print">
             <a:extLst>
               <a:ext uri="{28A0092B-C50C-407E-A947-70E740481C1C}">
-                <a14:useLocalDpi xmlns:a14="http://schemas.microsoft.com/office/drawing/2010/main" xmlns="" val="0"/>
+                <a14:useLocalDpi xmlns:a14="http://schemas.microsoft.com/office/drawing/2010/main" val="0"/>
               </a:ext>
             </a:extLst>
           </a:blip>
@@ -1743,7 +2181,7 @@
           <a:noFill/>
           <a:extLst>
             <a:ext uri="{909E8E84-426E-40DD-AFC4-6F175D3DCCD1}">
-              <a14:hiddenFill xmlns:a14="http://schemas.microsoft.com/office/drawing/2010/main" xmlns="">
+              <a14:hiddenFill xmlns:a14="http://schemas.microsoft.com/office/drawing/2010/main">
                 <a:solidFill>
                   <a:srgbClr val="FFFFFF"/>
                 </a:solidFill>
@@ -2069,7 +2507,7 @@
           </a:xfrm>
           <a:extLst>
             <a:ext uri="{909E8E84-426E-40DD-AFC4-6F175D3DCCD1}">
-              <a14:hiddenFill xmlns:a14="http://schemas.microsoft.com/office/drawing/2010/main" xmlns="">
+              <a14:hiddenFill xmlns:a14="http://schemas.microsoft.com/office/drawing/2010/main">
                 <a:solidFill>
                   <a:srgbClr val="50AAE6"/>
                 </a:solidFill>
@@ -2277,35 +2715,6 @@
               <a:t>Fünfte Ebene</a:t>
             </a:r>
             <a:endParaRPr lang="de-DE" dirty="0"/>
-          </a:p>
-        </p:txBody>
-      </p:sp>
-      <p:sp>
-        <p:nvSpPr>
-          <p:cNvPr id="4" name="Rectangle 12"/>
-          <p:cNvSpPr>
-            <a:spLocks noGrp="1" noChangeArrowheads="1"/>
-          </p:cNvSpPr>
-          <p:nvPr>
-            <p:ph type="ftr" sz="quarter" idx="10"/>
-          </p:nvPr>
-        </p:nvSpPr>
-        <p:spPr>
-          <a:ln/>
-        </p:spPr>
-        <p:txBody>
-          <a:bodyPr/>
-          <a:lstStyle>
-            <a:lvl1pPr>
-              <a:defRPr/>
-            </a:lvl1pPr>
-          </a:lstStyle>
-          <a:p>
-            <a:r>
-              <a:rPr lang="de-DE" smtClean="0"/>
-              <a:t>Name Vorname: Titel des Vortrags</a:t>
-            </a:r>
-            <a:endParaRPr lang="de-DE"/>
           </a:p>
         </p:txBody>
       </p:sp>
@@ -2435,35 +2844,6 @@
               <a:rPr lang="de-DE" smtClean="0"/>
               <a:t>Textmasterformat bearbeiten</a:t>
             </a:r>
-          </a:p>
-        </p:txBody>
-      </p:sp>
-      <p:sp>
-        <p:nvSpPr>
-          <p:cNvPr id="4" name="Rectangle 12"/>
-          <p:cNvSpPr>
-            <a:spLocks noGrp="1" noChangeArrowheads="1"/>
-          </p:cNvSpPr>
-          <p:nvPr>
-            <p:ph type="ftr" sz="quarter" idx="10"/>
-          </p:nvPr>
-        </p:nvSpPr>
-        <p:spPr>
-          <a:ln/>
-        </p:spPr>
-        <p:txBody>
-          <a:bodyPr/>
-          <a:lstStyle>
-            <a:lvl1pPr>
-              <a:defRPr/>
-            </a:lvl1pPr>
-          </a:lstStyle>
-          <a:p>
-            <a:r>
-              <a:rPr lang="de-DE" smtClean="0"/>
-              <a:t>Name Vorname: Titel des Vortrags</a:t>
-            </a:r>
-            <a:endParaRPr lang="de-DE"/>
           </a:p>
         </p:txBody>
       </p:sp>
@@ -3903,35 +4283,23 @@
               <a:defRPr/>
             </a:pPr>
             <a:r>
-              <a:rPr lang="de-DE" sz="1000" noProof="0" smtClean="0">
+              <a:rPr lang="de-DE" sz="1000" noProof="0" dirty="0" smtClean="0">
                 <a:latin typeface="Arial" pitchFamily="34" charset="0"/>
               </a:rPr>
-              <a:t>Software-Entwurf</a:t>
-            </a:r>
-            <a:r>
-              <a:rPr lang="de-DE" sz="1000" baseline="0" noProof="0" smtClean="0">
-                <a:latin typeface="Arial" pitchFamily="34" charset="0"/>
-              </a:rPr>
-              <a:t> und -Qualität</a:t>
-            </a:r>
-            <a:r>
-              <a:rPr lang="de-DE" sz="1000" noProof="0" smtClean="0">
+              <a:t>Praxis der Softwareentwicklung SS 2014</a:t>
+            </a:r>
+            <a:r>
+              <a:rPr lang="de-DE" sz="1000" noProof="0" dirty="0" smtClean="0">
                 <a:latin typeface="Arial" pitchFamily="34" charset="0"/>
               </a:rPr>
               <a:t/>
             </a:r>
             <a:br>
-              <a:rPr lang="de-DE" sz="1000" noProof="0" smtClean="0">
+              <a:rPr lang="de-DE" sz="1000" noProof="0" dirty="0" smtClean="0">
                 <a:latin typeface="Arial" pitchFamily="34" charset="0"/>
               </a:rPr>
             </a:br>
-            <a:r>
-              <a:rPr lang="de-DE" sz="1000" noProof="0" smtClean="0">
-                <a:latin typeface="Arial" pitchFamily="34" charset="0"/>
-              </a:rPr>
-              <a:t>Institut für Programmstrukturen und Datenorganisation</a:t>
-            </a:r>
-            <a:endParaRPr lang="de-DE" sz="1000" noProof="0">
+            <a:endParaRPr lang="de-DE" sz="1000" noProof="0" dirty="0" smtClean="0">
               <a:latin typeface="Arial" pitchFamily="34" charset="0"/>
             </a:endParaRPr>
           </a:p>
@@ -4018,15 +4386,12 @@
             <a:pPr>
               <a:defRPr/>
             </a:pPr>
-            <a:fld id="{FBF0773F-9DFE-4213-A82A-43FB290BE3C2}" type="datetime1">
-              <a:rPr lang="de-DE" sz="1000">
+            <a:r>
+              <a:rPr lang="de-DE" sz="1000" dirty="0" smtClean="0">
                 <a:latin typeface="Arial" pitchFamily="34" charset="0"/>
               </a:rPr>
-              <a:pPr>
-                <a:defRPr/>
-              </a:pPr>
-              <a:t>08.12.2010</a:t>
-            </a:fld>
+              <a:t>30.09.2014</a:t>
+            </a:r>
             <a:endParaRPr lang="de-DE" sz="1000" dirty="0">
               <a:latin typeface="Arial" pitchFamily="34" charset="0"/>
             </a:endParaRPr>
@@ -4075,10 +4440,18 @@
           </a:lstStyle>
           <a:p>
             <a:r>
-              <a:rPr lang="de-DE" smtClean="0"/>
-              <a:t>Name Vorname: Titel des Vortrags</a:t>
-            </a:r>
-            <a:endParaRPr lang="de-DE"/>
+              <a:rPr lang="de-DE" dirty="0" err="1" smtClean="0"/>
+              <a:t>Advanced</a:t>
+            </a:r>
+            <a:r>
+              <a:rPr lang="de-DE" dirty="0" smtClean="0"/>
+              <a:t> ROS Network </a:t>
+            </a:r>
+            <a:r>
+              <a:rPr lang="de-DE" dirty="0" err="1" smtClean="0"/>
+              <a:t>Introspection</a:t>
+            </a:r>
+            <a:endParaRPr lang="de-DE" dirty="0"/>
           </a:p>
         </p:txBody>
       </p:sp>
@@ -4126,7 +4499,7 @@
           <a:blip r:embed="rId16" cstate="print">
             <a:extLst>
               <a:ext uri="{28A0092B-C50C-407E-A947-70E740481C1C}">
-                <a14:useLocalDpi xmlns:a14="http://schemas.microsoft.com/office/drawing/2010/main" xmlns="" val="0"/>
+                <a14:useLocalDpi xmlns:a14="http://schemas.microsoft.com/office/drawing/2010/main" val="0"/>
               </a:ext>
             </a:extLst>
           </a:blip>
@@ -4146,7 +4519,7 @@
           <a:noFill/>
           <a:extLst>
             <a:ext uri="{909E8E84-426E-40DD-AFC4-6F175D3DCCD1}">
-              <a14:hiddenFill xmlns:a14="http://schemas.microsoft.com/office/drawing/2010/main" xmlns="">
+              <a14:hiddenFill xmlns:a14="http://schemas.microsoft.com/office/drawing/2010/main">
                 <a:solidFill>
                   <a:srgbClr val="FFFFFF"/>
                 </a:solidFill>
@@ -4600,14 +4973,30 @@
         </p:nvSpPr>
         <p:spPr>
           <a:xfrm>
-            <a:off x="381000" y="1701800"/>
-            <a:ext cx="8389937" cy="649287"/>
+            <a:off x="381000" y="1701801"/>
+            <a:ext cx="8389937" cy="355600"/>
           </a:xfrm>
         </p:spPr>
         <p:txBody>
           <a:bodyPr/>
           <a:lstStyle/>
           <a:p>
+            <a:r>
+              <a:rPr lang="de-DE" sz="2200" noProof="0" dirty="0" smtClean="0"/>
+              <a:t>ARNI – </a:t>
+            </a:r>
+            <a:r>
+              <a:rPr lang="de-DE" sz="2200" noProof="0" dirty="0" err="1" smtClean="0"/>
+              <a:t>Advanced</a:t>
+            </a:r>
+            <a:r>
+              <a:rPr lang="de-DE" sz="2200" noProof="0" dirty="0" smtClean="0"/>
+              <a:t> ROS Network </a:t>
+            </a:r>
+            <a:r>
+              <a:rPr lang="de-DE" sz="2200" noProof="0" dirty="0" err="1" smtClean="0"/>
+              <a:t>Introspection</a:t>
+            </a:r>
             <a:endParaRPr lang="de-DE" sz="2200" noProof="0" dirty="0"/>
           </a:p>
         </p:txBody>
@@ -4624,8 +5013,8 @@
         </p:nvSpPr>
         <p:spPr>
           <a:xfrm>
-            <a:off x="400050" y="2503487"/>
-            <a:ext cx="8370887" cy="620713"/>
+            <a:off x="390524" y="2133600"/>
+            <a:ext cx="8370887" cy="914400"/>
           </a:xfrm>
         </p:spPr>
         <p:txBody>
@@ -4635,6 +5024,25 @@
             <a:pPr marL="0" indent="0">
               <a:buNone/>
             </a:pPr>
+            <a:r>
+              <a:rPr lang="de-DE" sz="1800" b="1" noProof="0" dirty="0" smtClean="0"/>
+              <a:t>Abschlusspräsentation</a:t>
+            </a:r>
+          </a:p>
+          <a:p>
+            <a:pPr marL="0" indent="0">
+              <a:buNone/>
+            </a:pPr>
+            <a:endParaRPr lang="de-DE" sz="1800" noProof="0" dirty="0" smtClean="0"/>
+          </a:p>
+          <a:p>
+            <a:pPr marL="0" indent="0">
+              <a:buNone/>
+            </a:pPr>
+            <a:r>
+              <a:rPr lang="de-DE" sz="1800" noProof="0" dirty="0" smtClean="0"/>
+              <a:t>Alex Weber, Matthias Hadlich, Matthias Klatte, Micha Wetzel, Sebastian Kneipp</a:t>
+            </a:r>
             <a:endParaRPr lang="de-DE" sz="1800" noProof="0" dirty="0"/>
           </a:p>
         </p:txBody>
@@ -4686,7 +5094,11 @@
           <a:bodyPr/>
           <a:lstStyle/>
           <a:p>
-            <a:endParaRPr lang="en-GB"/>
+            <a:r>
+              <a:rPr lang="de-DE" dirty="0" smtClean="0"/>
+              <a:t>Aufgabenstellung</a:t>
+            </a:r>
+            <a:endParaRPr lang="de-DE" dirty="0"/>
           </a:p>
         </p:txBody>
       </p:sp>
@@ -4705,7 +5117,40 @@
           <a:bodyPr/>
           <a:lstStyle/>
           <a:p>
-            <a:endParaRPr lang="en-GB"/>
+            <a:r>
+              <a:rPr lang="de-DE" dirty="0" smtClean="0"/>
+              <a:t>Erfassung des Systemzustandes</a:t>
+            </a:r>
+          </a:p>
+          <a:p>
+            <a:r>
+              <a:rPr lang="de-DE" dirty="0" smtClean="0"/>
+              <a:t>Definition von Soll-Werten</a:t>
+            </a:r>
+          </a:p>
+          <a:p>
+            <a:r>
+              <a:rPr lang="de-DE" dirty="0" smtClean="0"/>
+              <a:t>Visualisierung der erhobenen Werte</a:t>
+            </a:r>
+            <a:br>
+              <a:rPr lang="de-DE" dirty="0" smtClean="0"/>
+            </a:br>
+            <a:r>
+              <a:rPr lang="de-DE" dirty="0" smtClean="0"/>
+              <a:t>mit f</a:t>
+            </a:r>
+            <a:r>
+              <a:rPr lang="de-DE" dirty="0" smtClean="0"/>
+              <a:t>arblicher Darstellung von Fehlerzuständen</a:t>
+            </a:r>
+          </a:p>
+          <a:p>
+            <a:r>
+              <a:rPr lang="de-DE" dirty="0" smtClean="0"/>
+              <a:t>Definition von Maßnahmen für Fehlerfälle</a:t>
+            </a:r>
+            <a:endParaRPr lang="de-DE" dirty="0"/>
           </a:p>
         </p:txBody>
       </p:sp>
@@ -4716,17 +5161,30 @@
             <a:spLocks noGrp="1"/>
           </p:cNvSpPr>
           <p:nvPr>
-            <p:ph type="ftr" sz="quarter" idx="10"/>
+            <p:ph type="ftr" sz="quarter" idx="4294967295"/>
           </p:nvPr>
         </p:nvSpPr>
-        <p:spPr/>
+        <p:spPr>
+          <a:xfrm>
+            <a:off x="1288027" y="6445250"/>
+            <a:ext cx="4542502" cy="360363"/>
+          </a:xfrm>
+        </p:spPr>
         <p:txBody>
           <a:bodyPr/>
           <a:lstStyle/>
           <a:p>
             <a:r>
-              <a:rPr lang="de-DE" dirty="0" smtClean="0"/>
-              <a:t>Name Vorname: Titel des Vortrags</a:t>
+              <a:rPr lang="de-DE" dirty="0" err="1"/>
+              <a:t>Advanced</a:t>
+            </a:r>
+            <a:r>
+              <a:rPr lang="de-DE" dirty="0"/>
+              <a:t> ROS Network </a:t>
+            </a:r>
+            <a:r>
+              <a:rPr lang="de-DE" dirty="0" err="1"/>
+              <a:t>Introspection</a:t>
             </a:r>
             <a:endParaRPr lang="de-DE" dirty="0"/>
           </a:p>
@@ -4754,8 +5212,8 @@
           </p:nvSpPr>
           <p:spPr>
             <a:xfrm>
-              <a:off x="1493183" y="6032322"/>
-              <a:ext cx="984565" cy="276999"/>
+              <a:off x="1745265" y="6032322"/>
+              <a:ext cx="1241045" cy="276999"/>
             </a:xfrm>
             <a:prstGeom prst="rect">
               <a:avLst/>
@@ -4783,7 +5241,7 @@
             <a:p>
               <a:r>
                 <a:rPr lang="en-US" sz="1200" dirty="0" err="1" smtClean="0"/>
-                <a:t>Grundlagen</a:t>
+                <a:t>Funktionsweise</a:t>
               </a:r>
               <a:endParaRPr lang="en-US" sz="1200" dirty="0" smtClean="0"/>
             </a:p>
@@ -4797,8 +5255,8 @@
           </p:nvSpPr>
           <p:spPr>
             <a:xfrm>
-              <a:off x="6282440" y="6032325"/>
-              <a:ext cx="937885" cy="276999"/>
+              <a:off x="6573970" y="6032325"/>
+              <a:ext cx="893193" cy="276999"/>
             </a:xfrm>
             <a:prstGeom prst="rect">
               <a:avLst/>
@@ -4826,7 +5284,7 @@
             <a:p>
               <a:r>
                 <a:rPr lang="en-US" sz="1200" dirty="0" err="1" smtClean="0"/>
-                <a:t>Validierung</a:t>
+                <a:t>Statistiken</a:t>
               </a:r>
               <a:endParaRPr lang="en-US" sz="1200" dirty="0" smtClean="0"/>
             </a:p>
@@ -4840,8 +5298,8 @@
           </p:nvSpPr>
           <p:spPr>
             <a:xfrm>
-              <a:off x="2835708" y="6032323"/>
-              <a:ext cx="1514261" cy="276999"/>
+              <a:off x="3596352" y="6032323"/>
+              <a:ext cx="917239" cy="276999"/>
             </a:xfrm>
             <a:prstGeom prst="rect">
               <a:avLst/>
@@ -4868,16 +5326,8 @@
             <a:lstStyle/>
             <a:p>
               <a:r>
-                <a:rPr lang="en-US" sz="1200" dirty="0" err="1" smtClean="0"/>
-                <a:t>Verwandte</a:t>
-              </a:r>
-              <a:r>
                 <a:rPr lang="en-US" sz="1200" dirty="0" smtClean="0"/>
-                <a:t> </a:t>
-              </a:r>
-              <a:r>
-                <a:rPr lang="en-US" sz="1200" dirty="0" err="1" smtClean="0"/>
-                <a:t>Arbeiten</a:t>
+                <a:t>Live Demo</a:t>
               </a:r>
               <a:endParaRPr lang="en-US" sz="1200" dirty="0" smtClean="0"/>
             </a:p>
@@ -4891,8 +5341,8 @@
           </p:nvSpPr>
           <p:spPr>
             <a:xfrm>
-              <a:off x="7578290" y="6032321"/>
-              <a:ext cx="1489510" cy="276999"/>
+              <a:off x="8077200" y="6031376"/>
+              <a:ext cx="518091" cy="276999"/>
             </a:xfrm>
             <a:prstGeom prst="rect">
               <a:avLst/>
@@ -4921,7 +5371,7 @@
             <a:p>
               <a:r>
                 <a:rPr lang="en-US" sz="1200" dirty="0" err="1" smtClean="0"/>
-                <a:t>Zusammenfassung</a:t>
+                <a:t>Fazit</a:t>
               </a:r>
               <a:endParaRPr lang="en-US" sz="1200" dirty="0" smtClean="0"/>
             </a:p>
@@ -4977,7 +5427,7 @@
           </p:nvSpPr>
           <p:spPr>
             <a:xfrm>
-              <a:off x="1234955" y="6091573"/>
+              <a:off x="1360996" y="6091573"/>
               <a:ext cx="158496" cy="158496"/>
             </a:xfrm>
             <a:prstGeom prst="chevron">
@@ -5019,7 +5469,7 @@
           </p:nvSpPr>
           <p:spPr>
             <a:xfrm>
-              <a:off x="2577480" y="6091574"/>
+              <a:off x="3212083" y="6091574"/>
               <a:ext cx="158496" cy="158496"/>
             </a:xfrm>
             <a:prstGeom prst="chevron">
@@ -5061,7 +5511,7 @@
           </p:nvSpPr>
           <p:spPr>
             <a:xfrm>
-              <a:off x="4449701" y="6091575"/>
+              <a:off x="4739364" y="6091575"/>
               <a:ext cx="158496" cy="158496"/>
             </a:xfrm>
             <a:prstGeom prst="chevron">
@@ -5103,8 +5553,8 @@
           </p:nvSpPr>
           <p:spPr>
             <a:xfrm>
-              <a:off x="4707929" y="6032324"/>
-              <a:ext cx="1216551" cy="276999"/>
+              <a:off x="5123633" y="6032324"/>
+              <a:ext cx="840295" cy="276999"/>
             </a:xfrm>
             <a:prstGeom prst="rect">
               <a:avLst/>
@@ -5132,15 +5582,7 @@
             <a:p>
               <a:r>
                 <a:rPr lang="en-US" sz="1200" dirty="0" err="1" smtClean="0"/>
-                <a:t>Eigener</a:t>
-              </a:r>
-              <a:r>
-                <a:rPr lang="en-US" sz="1200" dirty="0" smtClean="0"/>
-                <a:t> </a:t>
-              </a:r>
-              <a:r>
-                <a:rPr lang="en-US" sz="1200" dirty="0" err="1" smtClean="0"/>
-                <a:t>Ansatz</a:t>
+                <a:t>Probleme</a:t>
               </a:r>
               <a:endParaRPr lang="en-US" sz="1200" dirty="0" smtClean="0"/>
             </a:p>
@@ -5154,7 +5596,7 @@
           </p:nvSpPr>
           <p:spPr>
             <a:xfrm>
-              <a:off x="7320057" y="6091577"/>
+              <a:off x="7692936" y="6091577"/>
               <a:ext cx="158496" cy="158496"/>
             </a:xfrm>
             <a:prstGeom prst="chevron">
@@ -5233,7 +5675,7 @@
           </p:nvSpPr>
           <p:spPr>
             <a:xfrm>
-              <a:off x="6024212" y="6091576"/>
+              <a:off x="6189701" y="6091576"/>
               <a:ext cx="158496" cy="158496"/>
             </a:xfrm>
             <a:prstGeom prst="chevron">
@@ -5271,7 +5713,1297 @@
     </p:spTree>
     <p:extLst>
       <p:ext uri="{BB962C8B-B14F-4D97-AF65-F5344CB8AC3E}">
-        <p14:creationId xmlns:p14="http://schemas.microsoft.com/office/powerpoint/2010/main" xmlns="" val="1028804093"/>
+        <p14:creationId xmlns:p14="http://schemas.microsoft.com/office/powerpoint/2010/main" val="1028804093"/>
+      </p:ext>
+    </p:extLst>
+  </p:cSld>
+  <p:clrMapOvr>
+    <a:masterClrMapping/>
+  </p:clrMapOvr>
+  <p:timing>
+    <p:tnLst>
+      <p:par>
+        <p:cTn id="1" dur="indefinite" restart="never" nodeType="tmRoot"/>
+      </p:par>
+    </p:tnLst>
+  </p:timing>
+</p:sld>
+</file>
+
+<file path=ppt/slides/slide3.xml><?xml version="1.0" encoding="utf-8"?>
+<p:sld xmlns:a="http://schemas.openxmlformats.org/drawingml/2006/main" xmlns:r="http://schemas.openxmlformats.org/officeDocument/2006/relationships" xmlns:p="http://schemas.openxmlformats.org/presentationml/2006/main">
+  <p:cSld>
+    <p:spTree>
+      <p:nvGrpSpPr>
+        <p:cNvPr id="1" name=""/>
+        <p:cNvGrpSpPr/>
+        <p:nvPr/>
+      </p:nvGrpSpPr>
+      <p:grpSpPr>
+        <a:xfrm>
+          <a:off x="0" y="0"/>
+          <a:ext cx="0" cy="0"/>
+          <a:chOff x="0" y="0"/>
+          <a:chExt cx="0" cy="0"/>
+        </a:xfrm>
+      </p:grpSpPr>
+      <p:sp>
+        <p:nvSpPr>
+          <p:cNvPr id="2" name="Titel 1"/>
+          <p:cNvSpPr>
+            <a:spLocks noGrp="1"/>
+          </p:cNvSpPr>
+          <p:nvPr>
+            <p:ph type="title"/>
+          </p:nvPr>
+        </p:nvSpPr>
+        <p:spPr/>
+        <p:txBody>
+          <a:bodyPr/>
+          <a:lstStyle/>
+          <a:p>
+            <a:r>
+              <a:rPr lang="de-DE" dirty="0" smtClean="0"/>
+              <a:t>Funktionsschema (Teil 1)</a:t>
+            </a:r>
+            <a:endParaRPr lang="de-DE" dirty="0"/>
+          </a:p>
+        </p:txBody>
+      </p:sp>
+      <p:pic>
+        <p:nvPicPr>
+          <p:cNvPr id="5" name="Inhaltsplatzhalter 4"/>
+          <p:cNvPicPr>
+            <a:picLocks noGrp="1" noChangeAspect="1"/>
+          </p:cNvPicPr>
+          <p:nvPr>
+            <p:ph idx="1"/>
+          </p:nvPr>
+        </p:nvPicPr>
+        <p:blipFill>
+          <a:blip r:embed="rId3">
+            <a:extLst>
+              <a:ext uri="{28A0092B-C50C-407E-A947-70E740481C1C}">
+                <a14:useLocalDpi xmlns:a14="http://schemas.microsoft.com/office/drawing/2010/main" val="0"/>
+              </a:ext>
+            </a:extLst>
+          </a:blip>
+          <a:stretch>
+            <a:fillRect/>
+          </a:stretch>
+        </p:blipFill>
+        <p:spPr>
+          <a:xfrm>
+            <a:off x="600709" y="1198563"/>
+            <a:ext cx="7939408" cy="4745037"/>
+          </a:xfrm>
+        </p:spPr>
+      </p:pic>
+      <p:sp>
+        <p:nvSpPr>
+          <p:cNvPr id="4" name="Fußzeilenplatzhalter 3"/>
+          <p:cNvSpPr>
+            <a:spLocks noGrp="1"/>
+          </p:cNvSpPr>
+          <p:nvPr>
+            <p:ph type="ftr" sz="quarter" idx="4294967295"/>
+          </p:nvPr>
+        </p:nvSpPr>
+        <p:spPr>
+          <a:xfrm>
+            <a:off x="1288027" y="6445250"/>
+            <a:ext cx="4542502" cy="360363"/>
+          </a:xfrm>
+        </p:spPr>
+        <p:txBody>
+          <a:bodyPr/>
+          <a:lstStyle/>
+          <a:p>
+            <a:r>
+              <a:rPr lang="de-DE" dirty="0" err="1"/>
+              <a:t>Advanced</a:t>
+            </a:r>
+            <a:r>
+              <a:rPr lang="de-DE" dirty="0"/>
+              <a:t> ROS Network </a:t>
+            </a:r>
+            <a:r>
+              <a:rPr lang="de-DE" dirty="0" err="1"/>
+              <a:t>Introspection</a:t>
+            </a:r>
+            <a:endParaRPr lang="de-DE" dirty="0"/>
+          </a:p>
+        </p:txBody>
+      </p:sp>
+      <p:grpSp>
+        <p:nvGrpSpPr>
+          <p:cNvPr id="18" name="Gruppieren 21"/>
+          <p:cNvGrpSpPr/>
+          <p:nvPr/>
+        </p:nvGrpSpPr>
+        <p:grpSpPr>
+          <a:xfrm>
+            <a:off x="25400" y="5986694"/>
+            <a:ext cx="9072000" cy="322630"/>
+            <a:chOff x="25400" y="5986694"/>
+            <a:chExt cx="9072000" cy="322630"/>
+          </a:xfrm>
+        </p:grpSpPr>
+        <p:sp>
+          <p:nvSpPr>
+            <p:cNvPr id="19" name="Textfeld 13"/>
+            <p:cNvSpPr txBox="1"/>
+            <p:nvPr/>
+          </p:nvSpPr>
+          <p:spPr>
+            <a:xfrm>
+              <a:off x="1745265" y="6032322"/>
+              <a:ext cx="1340432" cy="276999"/>
+            </a:xfrm>
+            <a:prstGeom prst="rect">
+              <a:avLst/>
+            </a:prstGeom>
+          </p:spPr>
+          <p:style>
+            <a:lnRef idx="2">
+              <a:schemeClr val="accent3"/>
+            </a:lnRef>
+            <a:fillRef idx="1">
+              <a:schemeClr val="lt1"/>
+            </a:fillRef>
+            <a:effectRef idx="0">
+              <a:schemeClr val="accent3"/>
+            </a:effectRef>
+            <a:fontRef idx="minor">
+              <a:schemeClr val="dk1"/>
+            </a:fontRef>
+          </p:style>
+          <p:txBody>
+            <a:bodyPr wrap="none" rtlCol="0">
+              <a:spAutoFit/>
+            </a:bodyPr>
+            <a:lstStyle/>
+            <a:p>
+              <a:r>
+                <a:rPr lang="en-US" sz="1200" b="1" dirty="0" err="1" smtClean="0"/>
+                <a:t>Funktionsweise</a:t>
+              </a:r>
+              <a:endParaRPr lang="en-US" sz="1200" b="1" dirty="0" smtClean="0"/>
+            </a:p>
+          </p:txBody>
+        </p:sp>
+        <p:sp>
+          <p:nvSpPr>
+            <p:cNvPr id="20" name="Textfeld 14"/>
+            <p:cNvSpPr txBox="1"/>
+            <p:nvPr/>
+          </p:nvSpPr>
+          <p:spPr>
+            <a:xfrm>
+              <a:off x="6573970" y="6032325"/>
+              <a:ext cx="893193" cy="276999"/>
+            </a:xfrm>
+            <a:prstGeom prst="rect">
+              <a:avLst/>
+            </a:prstGeom>
+          </p:spPr>
+          <p:style>
+            <a:lnRef idx="2">
+              <a:schemeClr val="accent3"/>
+            </a:lnRef>
+            <a:fillRef idx="1">
+              <a:schemeClr val="lt1"/>
+            </a:fillRef>
+            <a:effectRef idx="0">
+              <a:schemeClr val="accent3"/>
+            </a:effectRef>
+            <a:fontRef idx="minor">
+              <a:schemeClr val="dk1"/>
+            </a:fontRef>
+          </p:style>
+          <p:txBody>
+            <a:bodyPr wrap="none" rtlCol="0">
+              <a:spAutoFit/>
+            </a:bodyPr>
+            <a:lstStyle/>
+            <a:p>
+              <a:r>
+                <a:rPr lang="en-US" sz="1200" dirty="0" err="1" smtClean="0"/>
+                <a:t>Statistiken</a:t>
+              </a:r>
+              <a:endParaRPr lang="en-US" sz="1200" dirty="0" smtClean="0"/>
+            </a:p>
+          </p:txBody>
+        </p:sp>
+        <p:sp>
+          <p:nvSpPr>
+            <p:cNvPr id="21" name="Textfeld 20"/>
+            <p:cNvSpPr txBox="1"/>
+            <p:nvPr/>
+          </p:nvSpPr>
+          <p:spPr>
+            <a:xfrm>
+              <a:off x="3596352" y="6032323"/>
+              <a:ext cx="917239" cy="276999"/>
+            </a:xfrm>
+            <a:prstGeom prst="rect">
+              <a:avLst/>
+            </a:prstGeom>
+          </p:spPr>
+          <p:style>
+            <a:lnRef idx="2">
+              <a:schemeClr val="accent3"/>
+            </a:lnRef>
+            <a:fillRef idx="1">
+              <a:schemeClr val="lt1"/>
+            </a:fillRef>
+            <a:effectRef idx="0">
+              <a:schemeClr val="accent3"/>
+            </a:effectRef>
+            <a:fontRef idx="minor">
+              <a:schemeClr val="dk1"/>
+            </a:fontRef>
+          </p:style>
+          <p:txBody>
+            <a:bodyPr wrap="none" rtlCol="0">
+              <a:spAutoFit/>
+            </a:bodyPr>
+            <a:lstStyle/>
+            <a:p>
+              <a:r>
+                <a:rPr lang="en-US" sz="1200" dirty="0" smtClean="0"/>
+                <a:t>Live Demo</a:t>
+              </a:r>
+              <a:endParaRPr lang="en-US" sz="1200" dirty="0" smtClean="0"/>
+            </a:p>
+          </p:txBody>
+        </p:sp>
+        <p:sp>
+          <p:nvSpPr>
+            <p:cNvPr id="22" name="Textfeld 21"/>
+            <p:cNvSpPr txBox="1"/>
+            <p:nvPr/>
+          </p:nvSpPr>
+          <p:spPr>
+            <a:xfrm>
+              <a:off x="8077200" y="6031376"/>
+              <a:ext cx="518091" cy="276999"/>
+            </a:xfrm>
+            <a:prstGeom prst="rect">
+              <a:avLst/>
+            </a:prstGeom>
+            <a:ln/>
+          </p:spPr>
+          <p:style>
+            <a:lnRef idx="2">
+              <a:schemeClr val="accent3"/>
+            </a:lnRef>
+            <a:fillRef idx="1">
+              <a:schemeClr val="lt1"/>
+            </a:fillRef>
+            <a:effectRef idx="0">
+              <a:schemeClr val="accent3"/>
+            </a:effectRef>
+            <a:fontRef idx="minor">
+              <a:schemeClr val="dk1"/>
+            </a:fontRef>
+          </p:style>
+          <p:txBody>
+            <a:bodyPr wrap="none" rtlCol="0">
+              <a:spAutoFit/>
+            </a:bodyPr>
+            <a:lstStyle/>
+            <a:p>
+              <a:r>
+                <a:rPr lang="en-US" sz="1200" dirty="0" err="1" smtClean="0"/>
+                <a:t>Fazit</a:t>
+              </a:r>
+              <a:endParaRPr lang="en-US" sz="1200" dirty="0" smtClean="0"/>
+            </a:p>
+          </p:txBody>
+        </p:sp>
+        <p:sp>
+          <p:nvSpPr>
+            <p:cNvPr id="23" name="Textfeld 22"/>
+            <p:cNvSpPr txBox="1"/>
+            <p:nvPr/>
+          </p:nvSpPr>
+          <p:spPr>
+            <a:xfrm>
+              <a:off x="179512" y="6032321"/>
+              <a:ext cx="883575" cy="276999"/>
+            </a:xfrm>
+            <a:prstGeom prst="rect">
+              <a:avLst/>
+            </a:prstGeom>
+          </p:spPr>
+          <p:style>
+            <a:lnRef idx="2">
+              <a:schemeClr val="accent3"/>
+            </a:lnRef>
+            <a:fillRef idx="1">
+              <a:schemeClr val="lt1"/>
+            </a:fillRef>
+            <a:effectRef idx="0">
+              <a:schemeClr val="accent3"/>
+            </a:effectRef>
+            <a:fontRef idx="minor">
+              <a:schemeClr val="dk1"/>
+            </a:fontRef>
+          </p:style>
+          <p:txBody>
+            <a:bodyPr wrap="none" rtlCol="0">
+              <a:spAutoFit/>
+            </a:bodyPr>
+            <a:lstStyle/>
+            <a:p>
+              <a:r>
+                <a:rPr lang="en-US" sz="1200" dirty="0" smtClean="0"/>
+                <a:t>Motivation</a:t>
+              </a:r>
+            </a:p>
+          </p:txBody>
+        </p:sp>
+        <p:sp>
+          <p:nvSpPr>
+            <p:cNvPr id="24" name="Eingekerbter Richtungspfeil 23"/>
+            <p:cNvSpPr/>
+            <p:nvPr/>
+          </p:nvSpPr>
+          <p:spPr>
+            <a:xfrm>
+              <a:off x="1360996" y="6091573"/>
+              <a:ext cx="158496" cy="158496"/>
+            </a:xfrm>
+            <a:prstGeom prst="chevron">
+              <a:avLst/>
+            </a:prstGeom>
+          </p:spPr>
+          <p:style>
+            <a:lnRef idx="1">
+              <a:schemeClr val="accent4"/>
+            </a:lnRef>
+            <a:fillRef idx="2">
+              <a:schemeClr val="accent4"/>
+            </a:fillRef>
+            <a:effectRef idx="1">
+              <a:schemeClr val="accent4"/>
+            </a:effectRef>
+            <a:fontRef idx="minor">
+              <a:schemeClr val="dk1"/>
+            </a:fontRef>
+          </p:style>
+          <p:txBody>
+            <a:bodyPr rtlCol="0" anchor="ctr"/>
+            <a:lstStyle/>
+            <a:p>
+              <a:pPr algn="ctr"/>
+              <a:endParaRPr lang="de-DE">
+                <a:solidFill>
+                  <a:schemeClr val="tx1"/>
+                </a:solidFill>
+              </a:endParaRPr>
+            </a:p>
+          </p:txBody>
+        </p:sp>
+        <p:sp>
+          <p:nvSpPr>
+            <p:cNvPr id="25" name="Eingekerbter Richtungspfeil 24"/>
+            <p:cNvSpPr/>
+            <p:nvPr/>
+          </p:nvSpPr>
+          <p:spPr>
+            <a:xfrm>
+              <a:off x="3212083" y="6091574"/>
+              <a:ext cx="158496" cy="158496"/>
+            </a:xfrm>
+            <a:prstGeom prst="chevron">
+              <a:avLst/>
+            </a:prstGeom>
+          </p:spPr>
+          <p:style>
+            <a:lnRef idx="1">
+              <a:schemeClr val="accent4"/>
+            </a:lnRef>
+            <a:fillRef idx="2">
+              <a:schemeClr val="accent4"/>
+            </a:fillRef>
+            <a:effectRef idx="1">
+              <a:schemeClr val="accent4"/>
+            </a:effectRef>
+            <a:fontRef idx="minor">
+              <a:schemeClr val="dk1"/>
+            </a:fontRef>
+          </p:style>
+          <p:txBody>
+            <a:bodyPr rtlCol="0" anchor="ctr"/>
+            <a:lstStyle/>
+            <a:p>
+              <a:pPr algn="ctr"/>
+              <a:endParaRPr lang="de-DE">
+                <a:solidFill>
+                  <a:schemeClr val="tx1"/>
+                </a:solidFill>
+              </a:endParaRPr>
+            </a:p>
+          </p:txBody>
+        </p:sp>
+        <p:sp>
+          <p:nvSpPr>
+            <p:cNvPr id="26" name="Eingekerbter Richtungspfeil 25"/>
+            <p:cNvSpPr/>
+            <p:nvPr/>
+          </p:nvSpPr>
+          <p:spPr>
+            <a:xfrm>
+              <a:off x="4739364" y="6091575"/>
+              <a:ext cx="158496" cy="158496"/>
+            </a:xfrm>
+            <a:prstGeom prst="chevron">
+              <a:avLst/>
+            </a:prstGeom>
+          </p:spPr>
+          <p:style>
+            <a:lnRef idx="1">
+              <a:schemeClr val="accent4"/>
+            </a:lnRef>
+            <a:fillRef idx="2">
+              <a:schemeClr val="accent4"/>
+            </a:fillRef>
+            <a:effectRef idx="1">
+              <a:schemeClr val="accent4"/>
+            </a:effectRef>
+            <a:fontRef idx="minor">
+              <a:schemeClr val="dk1"/>
+            </a:fontRef>
+          </p:style>
+          <p:txBody>
+            <a:bodyPr rtlCol="0" anchor="ctr"/>
+            <a:lstStyle/>
+            <a:p>
+              <a:pPr algn="ctr"/>
+              <a:endParaRPr lang="de-DE">
+                <a:solidFill>
+                  <a:schemeClr val="tx1"/>
+                </a:solidFill>
+              </a:endParaRPr>
+            </a:p>
+          </p:txBody>
+        </p:sp>
+        <p:sp>
+          <p:nvSpPr>
+            <p:cNvPr id="27" name="Textfeld 26"/>
+            <p:cNvSpPr txBox="1"/>
+            <p:nvPr/>
+          </p:nvSpPr>
+          <p:spPr>
+            <a:xfrm>
+              <a:off x="5123633" y="6032324"/>
+              <a:ext cx="840295" cy="276999"/>
+            </a:xfrm>
+            <a:prstGeom prst="rect">
+              <a:avLst/>
+            </a:prstGeom>
+          </p:spPr>
+          <p:style>
+            <a:lnRef idx="2">
+              <a:schemeClr val="accent3"/>
+            </a:lnRef>
+            <a:fillRef idx="1">
+              <a:schemeClr val="lt1"/>
+            </a:fillRef>
+            <a:effectRef idx="0">
+              <a:schemeClr val="accent3"/>
+            </a:effectRef>
+            <a:fontRef idx="minor">
+              <a:schemeClr val="dk1"/>
+            </a:fontRef>
+          </p:style>
+          <p:txBody>
+            <a:bodyPr wrap="none" rtlCol="0">
+              <a:spAutoFit/>
+            </a:bodyPr>
+            <a:lstStyle/>
+            <a:p>
+              <a:r>
+                <a:rPr lang="en-US" sz="1200" dirty="0" err="1" smtClean="0"/>
+                <a:t>Probleme</a:t>
+              </a:r>
+              <a:endParaRPr lang="en-US" sz="1200" dirty="0" smtClean="0"/>
+            </a:p>
+          </p:txBody>
+        </p:sp>
+        <p:sp>
+          <p:nvSpPr>
+            <p:cNvPr id="28" name="Eingekerbter Richtungspfeil 27"/>
+            <p:cNvSpPr/>
+            <p:nvPr/>
+          </p:nvSpPr>
+          <p:spPr>
+            <a:xfrm>
+              <a:off x="7692936" y="6091577"/>
+              <a:ext cx="158496" cy="158496"/>
+            </a:xfrm>
+            <a:prstGeom prst="chevron">
+              <a:avLst/>
+            </a:prstGeom>
+          </p:spPr>
+          <p:style>
+            <a:lnRef idx="1">
+              <a:schemeClr val="accent4"/>
+            </a:lnRef>
+            <a:fillRef idx="2">
+              <a:schemeClr val="accent4"/>
+            </a:fillRef>
+            <a:effectRef idx="1">
+              <a:schemeClr val="accent4"/>
+            </a:effectRef>
+            <a:fontRef idx="minor">
+              <a:schemeClr val="dk1"/>
+            </a:fontRef>
+          </p:style>
+          <p:txBody>
+            <a:bodyPr rtlCol="0" anchor="ctr"/>
+            <a:lstStyle/>
+            <a:p>
+              <a:pPr algn="ctr"/>
+              <a:endParaRPr lang="de-DE">
+                <a:solidFill>
+                  <a:schemeClr val="tx1"/>
+                </a:solidFill>
+              </a:endParaRPr>
+            </a:p>
+          </p:txBody>
+        </p:sp>
+        <p:cxnSp>
+          <p:nvCxnSpPr>
+            <p:cNvPr id="29" name="Gerade Verbindung 28"/>
+            <p:cNvCxnSpPr/>
+            <p:nvPr/>
+          </p:nvCxnSpPr>
+          <p:spPr>
+            <a:xfrm>
+              <a:off x="25400" y="5986694"/>
+              <a:ext cx="9072000" cy="1588"/>
+            </a:xfrm>
+            <a:prstGeom prst="line">
+              <a:avLst/>
+            </a:prstGeom>
+            <a:ln w="41275">
+              <a:solidFill>
+                <a:schemeClr val="accent3">
+                  <a:lumMod val="85000"/>
+                </a:schemeClr>
+              </a:solidFill>
+            </a:ln>
+          </p:spPr>
+          <p:style>
+            <a:lnRef idx="1">
+              <a:schemeClr val="accent1"/>
+            </a:lnRef>
+            <a:fillRef idx="0">
+              <a:schemeClr val="accent1"/>
+            </a:fillRef>
+            <a:effectRef idx="0">
+              <a:schemeClr val="accent1"/>
+            </a:effectRef>
+            <a:fontRef idx="minor">
+              <a:schemeClr val="tx1"/>
+            </a:fontRef>
+          </p:style>
+        </p:cxnSp>
+        <p:sp>
+          <p:nvSpPr>
+            <p:cNvPr id="30" name="Eingekerbter Richtungspfeil 29"/>
+            <p:cNvSpPr/>
+            <p:nvPr/>
+          </p:nvSpPr>
+          <p:spPr>
+            <a:xfrm>
+              <a:off x="6189701" y="6091576"/>
+              <a:ext cx="158496" cy="158496"/>
+            </a:xfrm>
+            <a:prstGeom prst="chevron">
+              <a:avLst/>
+            </a:prstGeom>
+          </p:spPr>
+          <p:style>
+            <a:lnRef idx="1">
+              <a:schemeClr val="accent4"/>
+            </a:lnRef>
+            <a:fillRef idx="2">
+              <a:schemeClr val="accent4"/>
+            </a:fillRef>
+            <a:effectRef idx="1">
+              <a:schemeClr val="accent4"/>
+            </a:effectRef>
+            <a:fontRef idx="minor">
+              <a:schemeClr val="dk1"/>
+            </a:fontRef>
+          </p:style>
+          <p:txBody>
+            <a:bodyPr rtlCol="0" anchor="ctr"/>
+            <a:lstStyle/>
+            <a:p>
+              <a:pPr algn="ctr"/>
+              <a:endParaRPr lang="de-DE">
+                <a:solidFill>
+                  <a:schemeClr val="tx1"/>
+                </a:solidFill>
+              </a:endParaRPr>
+            </a:p>
+          </p:txBody>
+        </p:sp>
+      </p:grpSp>
+    </p:spTree>
+    <p:extLst>
+      <p:ext uri="{BB962C8B-B14F-4D97-AF65-F5344CB8AC3E}">
+        <p14:creationId xmlns:p14="http://schemas.microsoft.com/office/powerpoint/2010/main" val="484204314"/>
+      </p:ext>
+    </p:extLst>
+  </p:cSld>
+  <p:clrMapOvr>
+    <a:masterClrMapping/>
+  </p:clrMapOvr>
+  <p:timing>
+    <p:tnLst>
+      <p:par>
+        <p:cTn id="1" dur="indefinite" restart="never" nodeType="tmRoot"/>
+      </p:par>
+    </p:tnLst>
+  </p:timing>
+</p:sld>
+</file>
+
+<file path=ppt/slides/slide4.xml><?xml version="1.0" encoding="utf-8"?>
+<p:sld xmlns:a="http://schemas.openxmlformats.org/drawingml/2006/main" xmlns:r="http://schemas.openxmlformats.org/officeDocument/2006/relationships" xmlns:p="http://schemas.openxmlformats.org/presentationml/2006/main">
+  <p:cSld>
+    <p:spTree>
+      <p:nvGrpSpPr>
+        <p:cNvPr id="1" name=""/>
+        <p:cNvGrpSpPr/>
+        <p:nvPr/>
+      </p:nvGrpSpPr>
+      <p:grpSpPr>
+        <a:xfrm>
+          <a:off x="0" y="0"/>
+          <a:ext cx="0" cy="0"/>
+          <a:chOff x="0" y="0"/>
+          <a:chExt cx="0" cy="0"/>
+        </a:xfrm>
+      </p:grpSpPr>
+      <p:sp>
+        <p:nvSpPr>
+          <p:cNvPr id="2" name="Titel 1"/>
+          <p:cNvSpPr>
+            <a:spLocks noGrp="1"/>
+          </p:cNvSpPr>
+          <p:nvPr>
+            <p:ph type="title"/>
+          </p:nvPr>
+        </p:nvSpPr>
+        <p:spPr/>
+        <p:txBody>
+          <a:bodyPr/>
+          <a:lstStyle/>
+          <a:p>
+            <a:r>
+              <a:rPr lang="de-DE" dirty="0" smtClean="0"/>
+              <a:t>Funktionsschema (Teil 2)</a:t>
+            </a:r>
+            <a:endParaRPr lang="de-DE" dirty="0"/>
+          </a:p>
+        </p:txBody>
+      </p:sp>
+      <p:pic>
+        <p:nvPicPr>
+          <p:cNvPr id="5" name="Inhaltsplatzhalter 4"/>
+          <p:cNvPicPr>
+            <a:picLocks noGrp="1" noChangeAspect="1"/>
+          </p:cNvPicPr>
+          <p:nvPr>
+            <p:ph idx="1"/>
+          </p:nvPr>
+        </p:nvPicPr>
+        <p:blipFill>
+          <a:blip r:embed="rId3">
+            <a:extLst>
+              <a:ext uri="{28A0092B-C50C-407E-A947-70E740481C1C}">
+                <a14:useLocalDpi xmlns:a14="http://schemas.microsoft.com/office/drawing/2010/main" val="0"/>
+              </a:ext>
+            </a:extLst>
+          </a:blip>
+          <a:stretch>
+            <a:fillRect/>
+          </a:stretch>
+        </p:blipFill>
+        <p:spPr>
+          <a:xfrm>
+            <a:off x="600709" y="1706406"/>
+            <a:ext cx="7939408" cy="3729350"/>
+          </a:xfrm>
+        </p:spPr>
+      </p:pic>
+      <p:sp>
+        <p:nvSpPr>
+          <p:cNvPr id="4" name="Fußzeilenplatzhalter 3"/>
+          <p:cNvSpPr>
+            <a:spLocks noGrp="1"/>
+          </p:cNvSpPr>
+          <p:nvPr>
+            <p:ph type="ftr" sz="quarter" idx="4294967295"/>
+          </p:nvPr>
+        </p:nvSpPr>
+        <p:spPr>
+          <a:xfrm>
+            <a:off x="1288027" y="6445250"/>
+            <a:ext cx="4542502" cy="360363"/>
+          </a:xfrm>
+        </p:spPr>
+        <p:txBody>
+          <a:bodyPr/>
+          <a:lstStyle/>
+          <a:p>
+            <a:r>
+              <a:rPr lang="de-DE" dirty="0" err="1"/>
+              <a:t>Advanced</a:t>
+            </a:r>
+            <a:r>
+              <a:rPr lang="de-DE" dirty="0"/>
+              <a:t> ROS Network </a:t>
+            </a:r>
+            <a:r>
+              <a:rPr lang="de-DE" dirty="0" err="1"/>
+              <a:t>Introspection</a:t>
+            </a:r>
+            <a:endParaRPr lang="de-DE" dirty="0"/>
+          </a:p>
+        </p:txBody>
+      </p:sp>
+      <p:grpSp>
+        <p:nvGrpSpPr>
+          <p:cNvPr id="18" name="Gruppieren 21"/>
+          <p:cNvGrpSpPr/>
+          <p:nvPr/>
+        </p:nvGrpSpPr>
+        <p:grpSpPr>
+          <a:xfrm>
+            <a:off x="25400" y="5986694"/>
+            <a:ext cx="9072000" cy="322630"/>
+            <a:chOff x="25400" y="5986694"/>
+            <a:chExt cx="9072000" cy="322630"/>
+          </a:xfrm>
+        </p:grpSpPr>
+        <p:sp>
+          <p:nvSpPr>
+            <p:cNvPr id="19" name="Textfeld 13"/>
+            <p:cNvSpPr txBox="1"/>
+            <p:nvPr/>
+          </p:nvSpPr>
+          <p:spPr>
+            <a:xfrm>
+              <a:off x="1745265" y="6032322"/>
+              <a:ext cx="1340432" cy="276999"/>
+            </a:xfrm>
+            <a:prstGeom prst="rect">
+              <a:avLst/>
+            </a:prstGeom>
+          </p:spPr>
+          <p:style>
+            <a:lnRef idx="2">
+              <a:schemeClr val="accent3"/>
+            </a:lnRef>
+            <a:fillRef idx="1">
+              <a:schemeClr val="lt1"/>
+            </a:fillRef>
+            <a:effectRef idx="0">
+              <a:schemeClr val="accent3"/>
+            </a:effectRef>
+            <a:fontRef idx="minor">
+              <a:schemeClr val="dk1"/>
+            </a:fontRef>
+          </p:style>
+          <p:txBody>
+            <a:bodyPr wrap="none" rtlCol="0">
+              <a:spAutoFit/>
+            </a:bodyPr>
+            <a:lstStyle/>
+            <a:p>
+              <a:r>
+                <a:rPr lang="en-US" sz="1200" b="1" dirty="0" err="1" smtClean="0"/>
+                <a:t>Funktionsweise</a:t>
+              </a:r>
+              <a:endParaRPr lang="en-US" sz="1200" b="1" dirty="0" smtClean="0"/>
+            </a:p>
+          </p:txBody>
+        </p:sp>
+        <p:sp>
+          <p:nvSpPr>
+            <p:cNvPr id="20" name="Textfeld 14"/>
+            <p:cNvSpPr txBox="1"/>
+            <p:nvPr/>
+          </p:nvSpPr>
+          <p:spPr>
+            <a:xfrm>
+              <a:off x="6573970" y="6032325"/>
+              <a:ext cx="893193" cy="276999"/>
+            </a:xfrm>
+            <a:prstGeom prst="rect">
+              <a:avLst/>
+            </a:prstGeom>
+          </p:spPr>
+          <p:style>
+            <a:lnRef idx="2">
+              <a:schemeClr val="accent3"/>
+            </a:lnRef>
+            <a:fillRef idx="1">
+              <a:schemeClr val="lt1"/>
+            </a:fillRef>
+            <a:effectRef idx="0">
+              <a:schemeClr val="accent3"/>
+            </a:effectRef>
+            <a:fontRef idx="minor">
+              <a:schemeClr val="dk1"/>
+            </a:fontRef>
+          </p:style>
+          <p:txBody>
+            <a:bodyPr wrap="none" rtlCol="0">
+              <a:spAutoFit/>
+            </a:bodyPr>
+            <a:lstStyle/>
+            <a:p>
+              <a:r>
+                <a:rPr lang="en-US" sz="1200" dirty="0" err="1" smtClean="0"/>
+                <a:t>Statistiken</a:t>
+              </a:r>
+              <a:endParaRPr lang="en-US" sz="1200" dirty="0" smtClean="0"/>
+            </a:p>
+          </p:txBody>
+        </p:sp>
+        <p:sp>
+          <p:nvSpPr>
+            <p:cNvPr id="21" name="Textfeld 20"/>
+            <p:cNvSpPr txBox="1"/>
+            <p:nvPr/>
+          </p:nvSpPr>
+          <p:spPr>
+            <a:xfrm>
+              <a:off x="3596352" y="6032323"/>
+              <a:ext cx="917239" cy="276999"/>
+            </a:xfrm>
+            <a:prstGeom prst="rect">
+              <a:avLst/>
+            </a:prstGeom>
+          </p:spPr>
+          <p:style>
+            <a:lnRef idx="2">
+              <a:schemeClr val="accent3"/>
+            </a:lnRef>
+            <a:fillRef idx="1">
+              <a:schemeClr val="lt1"/>
+            </a:fillRef>
+            <a:effectRef idx="0">
+              <a:schemeClr val="accent3"/>
+            </a:effectRef>
+            <a:fontRef idx="minor">
+              <a:schemeClr val="dk1"/>
+            </a:fontRef>
+          </p:style>
+          <p:txBody>
+            <a:bodyPr wrap="none" rtlCol="0">
+              <a:spAutoFit/>
+            </a:bodyPr>
+            <a:lstStyle/>
+            <a:p>
+              <a:r>
+                <a:rPr lang="en-US" sz="1200" dirty="0" smtClean="0"/>
+                <a:t>Live Demo</a:t>
+              </a:r>
+              <a:endParaRPr lang="en-US" sz="1200" dirty="0" smtClean="0"/>
+            </a:p>
+          </p:txBody>
+        </p:sp>
+        <p:sp>
+          <p:nvSpPr>
+            <p:cNvPr id="22" name="Textfeld 21"/>
+            <p:cNvSpPr txBox="1"/>
+            <p:nvPr/>
+          </p:nvSpPr>
+          <p:spPr>
+            <a:xfrm>
+              <a:off x="8077200" y="6031376"/>
+              <a:ext cx="518091" cy="276999"/>
+            </a:xfrm>
+            <a:prstGeom prst="rect">
+              <a:avLst/>
+            </a:prstGeom>
+            <a:ln/>
+          </p:spPr>
+          <p:style>
+            <a:lnRef idx="2">
+              <a:schemeClr val="accent3"/>
+            </a:lnRef>
+            <a:fillRef idx="1">
+              <a:schemeClr val="lt1"/>
+            </a:fillRef>
+            <a:effectRef idx="0">
+              <a:schemeClr val="accent3"/>
+            </a:effectRef>
+            <a:fontRef idx="minor">
+              <a:schemeClr val="dk1"/>
+            </a:fontRef>
+          </p:style>
+          <p:txBody>
+            <a:bodyPr wrap="none" rtlCol="0">
+              <a:spAutoFit/>
+            </a:bodyPr>
+            <a:lstStyle/>
+            <a:p>
+              <a:r>
+                <a:rPr lang="en-US" sz="1200" dirty="0" err="1" smtClean="0"/>
+                <a:t>Fazit</a:t>
+              </a:r>
+              <a:endParaRPr lang="en-US" sz="1200" dirty="0" smtClean="0"/>
+            </a:p>
+          </p:txBody>
+        </p:sp>
+        <p:sp>
+          <p:nvSpPr>
+            <p:cNvPr id="23" name="Textfeld 22"/>
+            <p:cNvSpPr txBox="1"/>
+            <p:nvPr/>
+          </p:nvSpPr>
+          <p:spPr>
+            <a:xfrm>
+              <a:off x="179512" y="6032321"/>
+              <a:ext cx="883575" cy="276999"/>
+            </a:xfrm>
+            <a:prstGeom prst="rect">
+              <a:avLst/>
+            </a:prstGeom>
+          </p:spPr>
+          <p:style>
+            <a:lnRef idx="2">
+              <a:schemeClr val="accent3"/>
+            </a:lnRef>
+            <a:fillRef idx="1">
+              <a:schemeClr val="lt1"/>
+            </a:fillRef>
+            <a:effectRef idx="0">
+              <a:schemeClr val="accent3"/>
+            </a:effectRef>
+            <a:fontRef idx="minor">
+              <a:schemeClr val="dk1"/>
+            </a:fontRef>
+          </p:style>
+          <p:txBody>
+            <a:bodyPr wrap="none" rtlCol="0">
+              <a:spAutoFit/>
+            </a:bodyPr>
+            <a:lstStyle/>
+            <a:p>
+              <a:r>
+                <a:rPr lang="en-US" sz="1200" dirty="0" smtClean="0"/>
+                <a:t>Motivation</a:t>
+              </a:r>
+            </a:p>
+          </p:txBody>
+        </p:sp>
+        <p:sp>
+          <p:nvSpPr>
+            <p:cNvPr id="24" name="Eingekerbter Richtungspfeil 23"/>
+            <p:cNvSpPr/>
+            <p:nvPr/>
+          </p:nvSpPr>
+          <p:spPr>
+            <a:xfrm>
+              <a:off x="1360996" y="6091573"/>
+              <a:ext cx="158496" cy="158496"/>
+            </a:xfrm>
+            <a:prstGeom prst="chevron">
+              <a:avLst/>
+            </a:prstGeom>
+          </p:spPr>
+          <p:style>
+            <a:lnRef idx="1">
+              <a:schemeClr val="accent4"/>
+            </a:lnRef>
+            <a:fillRef idx="2">
+              <a:schemeClr val="accent4"/>
+            </a:fillRef>
+            <a:effectRef idx="1">
+              <a:schemeClr val="accent4"/>
+            </a:effectRef>
+            <a:fontRef idx="minor">
+              <a:schemeClr val="dk1"/>
+            </a:fontRef>
+          </p:style>
+          <p:txBody>
+            <a:bodyPr rtlCol="0" anchor="ctr"/>
+            <a:lstStyle/>
+            <a:p>
+              <a:pPr algn="ctr"/>
+              <a:endParaRPr lang="de-DE">
+                <a:solidFill>
+                  <a:schemeClr val="tx1"/>
+                </a:solidFill>
+              </a:endParaRPr>
+            </a:p>
+          </p:txBody>
+        </p:sp>
+        <p:sp>
+          <p:nvSpPr>
+            <p:cNvPr id="25" name="Eingekerbter Richtungspfeil 24"/>
+            <p:cNvSpPr/>
+            <p:nvPr/>
+          </p:nvSpPr>
+          <p:spPr>
+            <a:xfrm>
+              <a:off x="3212083" y="6091574"/>
+              <a:ext cx="158496" cy="158496"/>
+            </a:xfrm>
+            <a:prstGeom prst="chevron">
+              <a:avLst/>
+            </a:prstGeom>
+          </p:spPr>
+          <p:style>
+            <a:lnRef idx="1">
+              <a:schemeClr val="accent4"/>
+            </a:lnRef>
+            <a:fillRef idx="2">
+              <a:schemeClr val="accent4"/>
+            </a:fillRef>
+            <a:effectRef idx="1">
+              <a:schemeClr val="accent4"/>
+            </a:effectRef>
+            <a:fontRef idx="minor">
+              <a:schemeClr val="dk1"/>
+            </a:fontRef>
+          </p:style>
+          <p:txBody>
+            <a:bodyPr rtlCol="0" anchor="ctr"/>
+            <a:lstStyle/>
+            <a:p>
+              <a:pPr algn="ctr"/>
+              <a:endParaRPr lang="de-DE">
+                <a:solidFill>
+                  <a:schemeClr val="tx1"/>
+                </a:solidFill>
+              </a:endParaRPr>
+            </a:p>
+          </p:txBody>
+        </p:sp>
+        <p:sp>
+          <p:nvSpPr>
+            <p:cNvPr id="26" name="Eingekerbter Richtungspfeil 25"/>
+            <p:cNvSpPr/>
+            <p:nvPr/>
+          </p:nvSpPr>
+          <p:spPr>
+            <a:xfrm>
+              <a:off x="4739364" y="6091575"/>
+              <a:ext cx="158496" cy="158496"/>
+            </a:xfrm>
+            <a:prstGeom prst="chevron">
+              <a:avLst/>
+            </a:prstGeom>
+          </p:spPr>
+          <p:style>
+            <a:lnRef idx="1">
+              <a:schemeClr val="accent4"/>
+            </a:lnRef>
+            <a:fillRef idx="2">
+              <a:schemeClr val="accent4"/>
+            </a:fillRef>
+            <a:effectRef idx="1">
+              <a:schemeClr val="accent4"/>
+            </a:effectRef>
+            <a:fontRef idx="minor">
+              <a:schemeClr val="dk1"/>
+            </a:fontRef>
+          </p:style>
+          <p:txBody>
+            <a:bodyPr rtlCol="0" anchor="ctr"/>
+            <a:lstStyle/>
+            <a:p>
+              <a:pPr algn="ctr"/>
+              <a:endParaRPr lang="de-DE">
+                <a:solidFill>
+                  <a:schemeClr val="tx1"/>
+                </a:solidFill>
+              </a:endParaRPr>
+            </a:p>
+          </p:txBody>
+        </p:sp>
+        <p:sp>
+          <p:nvSpPr>
+            <p:cNvPr id="27" name="Textfeld 26"/>
+            <p:cNvSpPr txBox="1"/>
+            <p:nvPr/>
+          </p:nvSpPr>
+          <p:spPr>
+            <a:xfrm>
+              <a:off x="5123633" y="6032324"/>
+              <a:ext cx="840295" cy="276999"/>
+            </a:xfrm>
+            <a:prstGeom prst="rect">
+              <a:avLst/>
+            </a:prstGeom>
+          </p:spPr>
+          <p:style>
+            <a:lnRef idx="2">
+              <a:schemeClr val="accent3"/>
+            </a:lnRef>
+            <a:fillRef idx="1">
+              <a:schemeClr val="lt1"/>
+            </a:fillRef>
+            <a:effectRef idx="0">
+              <a:schemeClr val="accent3"/>
+            </a:effectRef>
+            <a:fontRef idx="minor">
+              <a:schemeClr val="dk1"/>
+            </a:fontRef>
+          </p:style>
+          <p:txBody>
+            <a:bodyPr wrap="none" rtlCol="0">
+              <a:spAutoFit/>
+            </a:bodyPr>
+            <a:lstStyle/>
+            <a:p>
+              <a:r>
+                <a:rPr lang="en-US" sz="1200" dirty="0" err="1" smtClean="0"/>
+                <a:t>Probleme</a:t>
+              </a:r>
+              <a:endParaRPr lang="en-US" sz="1200" dirty="0" smtClean="0"/>
+            </a:p>
+          </p:txBody>
+        </p:sp>
+        <p:sp>
+          <p:nvSpPr>
+            <p:cNvPr id="28" name="Eingekerbter Richtungspfeil 27"/>
+            <p:cNvSpPr/>
+            <p:nvPr/>
+          </p:nvSpPr>
+          <p:spPr>
+            <a:xfrm>
+              <a:off x="7692936" y="6091577"/>
+              <a:ext cx="158496" cy="158496"/>
+            </a:xfrm>
+            <a:prstGeom prst="chevron">
+              <a:avLst/>
+            </a:prstGeom>
+          </p:spPr>
+          <p:style>
+            <a:lnRef idx="1">
+              <a:schemeClr val="accent4"/>
+            </a:lnRef>
+            <a:fillRef idx="2">
+              <a:schemeClr val="accent4"/>
+            </a:fillRef>
+            <a:effectRef idx="1">
+              <a:schemeClr val="accent4"/>
+            </a:effectRef>
+            <a:fontRef idx="minor">
+              <a:schemeClr val="dk1"/>
+            </a:fontRef>
+          </p:style>
+          <p:txBody>
+            <a:bodyPr rtlCol="0" anchor="ctr"/>
+            <a:lstStyle/>
+            <a:p>
+              <a:pPr algn="ctr"/>
+              <a:endParaRPr lang="de-DE">
+                <a:solidFill>
+                  <a:schemeClr val="tx1"/>
+                </a:solidFill>
+              </a:endParaRPr>
+            </a:p>
+          </p:txBody>
+        </p:sp>
+        <p:cxnSp>
+          <p:nvCxnSpPr>
+            <p:cNvPr id="29" name="Gerade Verbindung 28"/>
+            <p:cNvCxnSpPr/>
+            <p:nvPr/>
+          </p:nvCxnSpPr>
+          <p:spPr>
+            <a:xfrm>
+              <a:off x="25400" y="5986694"/>
+              <a:ext cx="9072000" cy="1588"/>
+            </a:xfrm>
+            <a:prstGeom prst="line">
+              <a:avLst/>
+            </a:prstGeom>
+            <a:ln w="41275">
+              <a:solidFill>
+                <a:schemeClr val="accent3">
+                  <a:lumMod val="85000"/>
+                </a:schemeClr>
+              </a:solidFill>
+            </a:ln>
+          </p:spPr>
+          <p:style>
+            <a:lnRef idx="1">
+              <a:schemeClr val="accent1"/>
+            </a:lnRef>
+            <a:fillRef idx="0">
+              <a:schemeClr val="accent1"/>
+            </a:fillRef>
+            <a:effectRef idx="0">
+              <a:schemeClr val="accent1"/>
+            </a:effectRef>
+            <a:fontRef idx="minor">
+              <a:schemeClr val="tx1"/>
+            </a:fontRef>
+          </p:style>
+        </p:cxnSp>
+        <p:sp>
+          <p:nvSpPr>
+            <p:cNvPr id="30" name="Eingekerbter Richtungspfeil 29"/>
+            <p:cNvSpPr/>
+            <p:nvPr/>
+          </p:nvSpPr>
+          <p:spPr>
+            <a:xfrm>
+              <a:off x="6189701" y="6091576"/>
+              <a:ext cx="158496" cy="158496"/>
+            </a:xfrm>
+            <a:prstGeom prst="chevron">
+              <a:avLst/>
+            </a:prstGeom>
+          </p:spPr>
+          <p:style>
+            <a:lnRef idx="1">
+              <a:schemeClr val="accent4"/>
+            </a:lnRef>
+            <a:fillRef idx="2">
+              <a:schemeClr val="accent4"/>
+            </a:fillRef>
+            <a:effectRef idx="1">
+              <a:schemeClr val="accent4"/>
+            </a:effectRef>
+            <a:fontRef idx="minor">
+              <a:schemeClr val="dk1"/>
+            </a:fontRef>
+          </p:style>
+          <p:txBody>
+            <a:bodyPr rtlCol="0" anchor="ctr"/>
+            <a:lstStyle/>
+            <a:p>
+              <a:pPr algn="ctr"/>
+              <a:endParaRPr lang="de-DE">
+                <a:solidFill>
+                  <a:schemeClr val="tx1"/>
+                </a:solidFill>
+              </a:endParaRPr>
+            </a:p>
+          </p:txBody>
+        </p:sp>
+      </p:grpSp>
+    </p:spTree>
+    <p:extLst>
+      <p:ext uri="{BB962C8B-B14F-4D97-AF65-F5344CB8AC3E}">
+        <p14:creationId xmlns:p14="http://schemas.microsoft.com/office/powerpoint/2010/main" val="2386648000"/>
       </p:ext>
     </p:extLst>
   </p:cSld>
